--- a/Project/winter project.pptx
+++ b/Project/winter project.pptx
@@ -4,8 +4,16 @@
   <p:sldMasterIdLst>
     <p:sldMasterId id="2147483648" r:id="rId1"/>
   </p:sldMasterIdLst>
+  <p:notesMasterIdLst>
+    <p:notesMasterId r:id="rId8"/>
+  </p:notesMasterIdLst>
   <p:sldIdLst>
-    <p:sldId id="256" r:id="rId2"/>
+    <p:sldId id="260" r:id="rId2"/>
+    <p:sldId id="257" r:id="rId3"/>
+    <p:sldId id="261" r:id="rId4"/>
+    <p:sldId id="258" r:id="rId5"/>
+    <p:sldId id="262" r:id="rId6"/>
+    <p:sldId id="263" r:id="rId7"/>
   </p:sldIdLst>
   <p:sldSz cx="12192000" cy="6858000"/>
   <p:notesSz cx="6858000" cy="9144000"/>
@@ -104,7 +112,456 @@
       </a:defRPr>
     </a:lvl9pPr>
   </p:defaultTextStyle>
+  <p:extLst>
+    <p:ext uri="{EFAFB233-063F-42B5-8137-9DF3F51BA10A}">
+      <p15:sldGuideLst xmlns:p15="http://schemas.microsoft.com/office/powerpoint/2012/main">
+        <p15:guide id="1" orient="horz" pos="2160" userDrawn="1">
+          <p15:clr>
+            <a:srgbClr val="A4A3A4"/>
+          </p15:clr>
+        </p15:guide>
+        <p15:guide id="2" pos="3840" userDrawn="1">
+          <p15:clr>
+            <a:srgbClr val="A4A3A4"/>
+          </p15:clr>
+        </p15:guide>
+      </p15:sldGuideLst>
+    </p:ext>
+  </p:extLst>
 </p:presentation>
+</file>
+
+<file path=ppt/notesMasters/notesMaster1.xml><?xml version="1.0" encoding="utf-8"?>
+<p:notesMaster xmlns:a="http://schemas.openxmlformats.org/drawingml/2006/main" xmlns:r="http://schemas.openxmlformats.org/officeDocument/2006/relationships" xmlns:p="http://schemas.openxmlformats.org/presentationml/2006/main">
+  <p:cSld>
+    <p:bg>
+      <p:bgRef idx="1001">
+        <a:schemeClr val="bg1"/>
+      </p:bgRef>
+    </p:bg>
+    <p:spTree>
+      <p:nvGrpSpPr>
+        <p:cNvPr id="1" name=""/>
+        <p:cNvGrpSpPr/>
+        <p:nvPr/>
+      </p:nvGrpSpPr>
+      <p:grpSpPr>
+        <a:xfrm>
+          <a:off x="0" y="0"/>
+          <a:ext cx="0" cy="0"/>
+          <a:chOff x="0" y="0"/>
+          <a:chExt cx="0" cy="0"/>
+        </a:xfrm>
+      </p:grpSpPr>
+      <p:sp>
+        <p:nvSpPr>
+          <p:cNvPr id="2" name="页眉占位符 1"/>
+          <p:cNvSpPr>
+            <a:spLocks noGrp="1"/>
+          </p:cNvSpPr>
+          <p:nvPr>
+            <p:ph type="hdr" sz="quarter"/>
+          </p:nvPr>
+        </p:nvSpPr>
+        <p:spPr>
+          <a:xfrm>
+            <a:off x="0" y="0"/>
+            <a:ext cx="2971800" cy="458788"/>
+          </a:xfrm>
+          <a:prstGeom prst="rect">
+            <a:avLst/>
+          </a:prstGeom>
+        </p:spPr>
+        <p:txBody>
+          <a:bodyPr vert="horz" lIns="91440" tIns="45720" rIns="91440" bIns="45720" rtlCol="0"/>
+          <a:lstStyle>
+            <a:lvl1pPr algn="l">
+              <a:defRPr sz="1200"/>
+            </a:lvl1pPr>
+          </a:lstStyle>
+          <a:p>
+            <a:endParaRPr lang="zh-CN" altLang="en-US"/>
+          </a:p>
+        </p:txBody>
+      </p:sp>
+      <p:sp>
+        <p:nvSpPr>
+          <p:cNvPr id="3" name="日期占位符 2"/>
+          <p:cNvSpPr>
+            <a:spLocks noGrp="1"/>
+          </p:cNvSpPr>
+          <p:nvPr>
+            <p:ph type="dt" idx="1"/>
+          </p:nvPr>
+        </p:nvSpPr>
+        <p:spPr>
+          <a:xfrm>
+            <a:off x="3884613" y="0"/>
+            <a:ext cx="2971800" cy="458788"/>
+          </a:xfrm>
+          <a:prstGeom prst="rect">
+            <a:avLst/>
+          </a:prstGeom>
+        </p:spPr>
+        <p:txBody>
+          <a:bodyPr vert="horz" lIns="91440" tIns="45720" rIns="91440" bIns="45720" rtlCol="0"/>
+          <a:lstStyle>
+            <a:lvl1pPr algn="r">
+              <a:defRPr sz="1200"/>
+            </a:lvl1pPr>
+          </a:lstStyle>
+          <a:p>
+            <a:fld id="{E26886C4-1C0F-47ED-B0E1-9DED02D86F59}" type="datetimeFigureOut">
+              <a:rPr lang="zh-CN" altLang="en-US" smtClean="0"/>
+              <a:t>2020/1/26</a:t>
+            </a:fld>
+            <a:endParaRPr lang="zh-CN" altLang="en-US"/>
+          </a:p>
+        </p:txBody>
+      </p:sp>
+      <p:sp>
+        <p:nvSpPr>
+          <p:cNvPr id="4" name="幻灯片图像占位符 3"/>
+          <p:cNvSpPr>
+            <a:spLocks noGrp="1" noRot="1" noChangeAspect="1"/>
+          </p:cNvSpPr>
+          <p:nvPr>
+            <p:ph type="sldImg" idx="2"/>
+          </p:nvPr>
+        </p:nvSpPr>
+        <p:spPr>
+          <a:xfrm>
+            <a:off x="685800" y="1143000"/>
+            <a:ext cx="5486400" cy="3086100"/>
+          </a:xfrm>
+          <a:prstGeom prst="rect">
+            <a:avLst/>
+          </a:prstGeom>
+          <a:noFill/>
+          <a:ln w="12700">
+            <a:solidFill>
+              <a:prstClr val="black"/>
+            </a:solidFill>
+          </a:ln>
+        </p:spPr>
+        <p:txBody>
+          <a:bodyPr vert="horz" lIns="91440" tIns="45720" rIns="91440" bIns="45720" rtlCol="0" anchor="ctr"/>
+          <a:lstStyle/>
+          <a:p>
+            <a:endParaRPr lang="zh-CN" altLang="en-US"/>
+          </a:p>
+        </p:txBody>
+      </p:sp>
+      <p:sp>
+        <p:nvSpPr>
+          <p:cNvPr id="5" name="备注占位符 4"/>
+          <p:cNvSpPr>
+            <a:spLocks noGrp="1"/>
+          </p:cNvSpPr>
+          <p:nvPr>
+            <p:ph type="body" sz="quarter" idx="3"/>
+          </p:nvPr>
+        </p:nvSpPr>
+        <p:spPr>
+          <a:xfrm>
+            <a:off x="685800" y="4400550"/>
+            <a:ext cx="5486400" cy="3600450"/>
+          </a:xfrm>
+          <a:prstGeom prst="rect">
+            <a:avLst/>
+          </a:prstGeom>
+        </p:spPr>
+        <p:txBody>
+          <a:bodyPr vert="horz" lIns="91440" tIns="45720" rIns="91440" bIns="45720" rtlCol="0"/>
+          <a:lstStyle/>
+          <a:p>
+            <a:pPr lvl="0"/>
+            <a:r>
+              <a:rPr lang="zh-CN" altLang="en-US"/>
+              <a:t>单击此处编辑母版文本样式</a:t>
+            </a:r>
+          </a:p>
+          <a:p>
+            <a:pPr lvl="1"/>
+            <a:r>
+              <a:rPr lang="zh-CN" altLang="en-US"/>
+              <a:t>二级</a:t>
+            </a:r>
+          </a:p>
+          <a:p>
+            <a:pPr lvl="2"/>
+            <a:r>
+              <a:rPr lang="zh-CN" altLang="en-US"/>
+              <a:t>三级</a:t>
+            </a:r>
+          </a:p>
+          <a:p>
+            <a:pPr lvl="3"/>
+            <a:r>
+              <a:rPr lang="zh-CN" altLang="en-US"/>
+              <a:t>四级</a:t>
+            </a:r>
+          </a:p>
+          <a:p>
+            <a:pPr lvl="4"/>
+            <a:r>
+              <a:rPr lang="zh-CN" altLang="en-US"/>
+              <a:t>五级</a:t>
+            </a:r>
+          </a:p>
+        </p:txBody>
+      </p:sp>
+      <p:sp>
+        <p:nvSpPr>
+          <p:cNvPr id="6" name="页脚占位符 5"/>
+          <p:cNvSpPr>
+            <a:spLocks noGrp="1"/>
+          </p:cNvSpPr>
+          <p:nvPr>
+            <p:ph type="ftr" sz="quarter" idx="4"/>
+          </p:nvPr>
+        </p:nvSpPr>
+        <p:spPr>
+          <a:xfrm>
+            <a:off x="0" y="8685213"/>
+            <a:ext cx="2971800" cy="458787"/>
+          </a:xfrm>
+          <a:prstGeom prst="rect">
+            <a:avLst/>
+          </a:prstGeom>
+        </p:spPr>
+        <p:txBody>
+          <a:bodyPr vert="horz" lIns="91440" tIns="45720" rIns="91440" bIns="45720" rtlCol="0" anchor="b"/>
+          <a:lstStyle>
+            <a:lvl1pPr algn="l">
+              <a:defRPr sz="1200"/>
+            </a:lvl1pPr>
+          </a:lstStyle>
+          <a:p>
+            <a:endParaRPr lang="zh-CN" altLang="en-US"/>
+          </a:p>
+        </p:txBody>
+      </p:sp>
+      <p:sp>
+        <p:nvSpPr>
+          <p:cNvPr id="7" name="灯片编号占位符 6"/>
+          <p:cNvSpPr>
+            <a:spLocks noGrp="1"/>
+          </p:cNvSpPr>
+          <p:nvPr>
+            <p:ph type="sldNum" sz="quarter" idx="5"/>
+          </p:nvPr>
+        </p:nvSpPr>
+        <p:spPr>
+          <a:xfrm>
+            <a:off x="3884613" y="8685213"/>
+            <a:ext cx="2971800" cy="458787"/>
+          </a:xfrm>
+          <a:prstGeom prst="rect">
+            <a:avLst/>
+          </a:prstGeom>
+        </p:spPr>
+        <p:txBody>
+          <a:bodyPr vert="horz" lIns="91440" tIns="45720" rIns="91440" bIns="45720" rtlCol="0" anchor="b"/>
+          <a:lstStyle>
+            <a:lvl1pPr algn="r">
+              <a:defRPr sz="1200"/>
+            </a:lvl1pPr>
+          </a:lstStyle>
+          <a:p>
+            <a:fld id="{BB57A147-FFCC-4FC1-8B7C-C21C7E65F867}" type="slidenum">
+              <a:rPr lang="zh-CN" altLang="en-US" smtClean="0"/>
+              <a:t>‹#›</a:t>
+            </a:fld>
+            <a:endParaRPr lang="zh-CN" altLang="en-US"/>
+          </a:p>
+        </p:txBody>
+      </p:sp>
+    </p:spTree>
+    <p:extLst>
+      <p:ext uri="{BB962C8B-B14F-4D97-AF65-F5344CB8AC3E}">
+        <p14:creationId xmlns:p14="http://schemas.microsoft.com/office/powerpoint/2010/main" val="2030139127"/>
+      </p:ext>
+    </p:extLst>
+  </p:cSld>
+  <p:clrMap bg1="lt1" tx1="dk1" bg2="lt2" tx2="dk2" accent1="accent1" accent2="accent2" accent3="accent3" accent4="accent4" accent5="accent5" accent6="accent6" hlink="hlink" folHlink="folHlink"/>
+  <p:notesStyle>
+    <a:lvl1pPr marL="0" algn="l" defTabSz="914400" rtl="0" eaLnBrk="1" latinLnBrk="0" hangingPunct="1">
+      <a:defRPr sz="1200" kern="1200">
+        <a:solidFill>
+          <a:schemeClr val="tx1"/>
+        </a:solidFill>
+        <a:latin typeface="+mn-lt"/>
+        <a:ea typeface="+mn-ea"/>
+        <a:cs typeface="+mn-cs"/>
+      </a:defRPr>
+    </a:lvl1pPr>
+    <a:lvl2pPr marL="457200" algn="l" defTabSz="914400" rtl="0" eaLnBrk="1" latinLnBrk="0" hangingPunct="1">
+      <a:defRPr sz="1200" kern="1200">
+        <a:solidFill>
+          <a:schemeClr val="tx1"/>
+        </a:solidFill>
+        <a:latin typeface="+mn-lt"/>
+        <a:ea typeface="+mn-ea"/>
+        <a:cs typeface="+mn-cs"/>
+      </a:defRPr>
+    </a:lvl2pPr>
+    <a:lvl3pPr marL="914400" algn="l" defTabSz="914400" rtl="0" eaLnBrk="1" latinLnBrk="0" hangingPunct="1">
+      <a:defRPr sz="1200" kern="1200">
+        <a:solidFill>
+          <a:schemeClr val="tx1"/>
+        </a:solidFill>
+        <a:latin typeface="+mn-lt"/>
+        <a:ea typeface="+mn-ea"/>
+        <a:cs typeface="+mn-cs"/>
+      </a:defRPr>
+    </a:lvl3pPr>
+    <a:lvl4pPr marL="1371600" algn="l" defTabSz="914400" rtl="0" eaLnBrk="1" latinLnBrk="0" hangingPunct="1">
+      <a:defRPr sz="1200" kern="1200">
+        <a:solidFill>
+          <a:schemeClr val="tx1"/>
+        </a:solidFill>
+        <a:latin typeface="+mn-lt"/>
+        <a:ea typeface="+mn-ea"/>
+        <a:cs typeface="+mn-cs"/>
+      </a:defRPr>
+    </a:lvl4pPr>
+    <a:lvl5pPr marL="1828800" algn="l" defTabSz="914400" rtl="0" eaLnBrk="1" latinLnBrk="0" hangingPunct="1">
+      <a:defRPr sz="1200" kern="1200">
+        <a:solidFill>
+          <a:schemeClr val="tx1"/>
+        </a:solidFill>
+        <a:latin typeface="+mn-lt"/>
+        <a:ea typeface="+mn-ea"/>
+        <a:cs typeface="+mn-cs"/>
+      </a:defRPr>
+    </a:lvl5pPr>
+    <a:lvl6pPr marL="2286000" algn="l" defTabSz="914400" rtl="0" eaLnBrk="1" latinLnBrk="0" hangingPunct="1">
+      <a:defRPr sz="1200" kern="1200">
+        <a:solidFill>
+          <a:schemeClr val="tx1"/>
+        </a:solidFill>
+        <a:latin typeface="+mn-lt"/>
+        <a:ea typeface="+mn-ea"/>
+        <a:cs typeface="+mn-cs"/>
+      </a:defRPr>
+    </a:lvl6pPr>
+    <a:lvl7pPr marL="2743200" algn="l" defTabSz="914400" rtl="0" eaLnBrk="1" latinLnBrk="0" hangingPunct="1">
+      <a:defRPr sz="1200" kern="1200">
+        <a:solidFill>
+          <a:schemeClr val="tx1"/>
+        </a:solidFill>
+        <a:latin typeface="+mn-lt"/>
+        <a:ea typeface="+mn-ea"/>
+        <a:cs typeface="+mn-cs"/>
+      </a:defRPr>
+    </a:lvl7pPr>
+    <a:lvl8pPr marL="3200400" algn="l" defTabSz="914400" rtl="0" eaLnBrk="1" latinLnBrk="0" hangingPunct="1">
+      <a:defRPr sz="1200" kern="1200">
+        <a:solidFill>
+          <a:schemeClr val="tx1"/>
+        </a:solidFill>
+        <a:latin typeface="+mn-lt"/>
+        <a:ea typeface="+mn-ea"/>
+        <a:cs typeface="+mn-cs"/>
+      </a:defRPr>
+    </a:lvl8pPr>
+    <a:lvl9pPr marL="3657600" algn="l" defTabSz="914400" rtl="0" eaLnBrk="1" latinLnBrk="0" hangingPunct="1">
+      <a:defRPr sz="1200" kern="1200">
+        <a:solidFill>
+          <a:schemeClr val="tx1"/>
+        </a:solidFill>
+        <a:latin typeface="+mn-lt"/>
+        <a:ea typeface="+mn-ea"/>
+        <a:cs typeface="+mn-cs"/>
+      </a:defRPr>
+    </a:lvl9pPr>
+  </p:notesStyle>
+</p:notesMaster>
+</file>
+
+<file path=ppt/notesSlides/notesSlide1.xml><?xml version="1.0" encoding="utf-8"?>
+<p:notes xmlns:a="http://schemas.openxmlformats.org/drawingml/2006/main" xmlns:r="http://schemas.openxmlformats.org/officeDocument/2006/relationships" xmlns:p="http://schemas.openxmlformats.org/presentationml/2006/main">
+  <p:cSld>
+    <p:spTree>
+      <p:nvGrpSpPr>
+        <p:cNvPr id="1" name=""/>
+        <p:cNvGrpSpPr/>
+        <p:nvPr/>
+      </p:nvGrpSpPr>
+      <p:grpSpPr>
+        <a:xfrm>
+          <a:off x="0" y="0"/>
+          <a:ext cx="0" cy="0"/>
+          <a:chOff x="0" y="0"/>
+          <a:chExt cx="0" cy="0"/>
+        </a:xfrm>
+      </p:grpSpPr>
+      <p:sp>
+        <p:nvSpPr>
+          <p:cNvPr id="2" name="幻灯片图像占位符 1"/>
+          <p:cNvSpPr>
+            <a:spLocks noGrp="1" noRot="1" noChangeAspect="1"/>
+          </p:cNvSpPr>
+          <p:nvPr>
+            <p:ph type="sldImg"/>
+          </p:nvPr>
+        </p:nvSpPr>
+        <p:spPr/>
+      </p:sp>
+      <p:sp>
+        <p:nvSpPr>
+          <p:cNvPr id="3" name="备注占位符 2"/>
+          <p:cNvSpPr>
+            <a:spLocks noGrp="1"/>
+          </p:cNvSpPr>
+          <p:nvPr>
+            <p:ph type="body" idx="1"/>
+          </p:nvPr>
+        </p:nvSpPr>
+        <p:spPr/>
+        <p:txBody>
+          <a:bodyPr/>
+          <a:lstStyle/>
+          <a:p>
+            <a:endParaRPr lang="zh-CN" altLang="en-US" dirty="0"/>
+          </a:p>
+        </p:txBody>
+      </p:sp>
+      <p:sp>
+        <p:nvSpPr>
+          <p:cNvPr id="4" name="灯片编号占位符 3"/>
+          <p:cNvSpPr>
+            <a:spLocks noGrp="1"/>
+          </p:cNvSpPr>
+          <p:nvPr>
+            <p:ph type="sldNum" sz="quarter" idx="5"/>
+          </p:nvPr>
+        </p:nvSpPr>
+        <p:spPr/>
+        <p:txBody>
+          <a:bodyPr/>
+          <a:lstStyle/>
+          <a:p>
+            <a:fld id="{BB57A147-FFCC-4FC1-8B7C-C21C7E65F867}" type="slidenum">
+              <a:rPr lang="zh-CN" altLang="en-US" smtClean="0"/>
+              <a:t>1</a:t>
+            </a:fld>
+            <a:endParaRPr lang="zh-CN" altLang="en-US"/>
+          </a:p>
+        </p:txBody>
+      </p:sp>
+    </p:spTree>
+    <p:extLst>
+      <p:ext uri="{BB962C8B-B14F-4D97-AF65-F5344CB8AC3E}">
+        <p14:creationId xmlns:p14="http://schemas.microsoft.com/office/powerpoint/2010/main" val="3262014135"/>
+      </p:ext>
+    </p:extLst>
+  </p:cSld>
+  <p:clrMapOvr>
+    <a:masterClrMapping/>
+  </p:clrMapOvr>
+</p:notes>
 </file>
 
 <file path=ppt/slideLayouts/slideLayout1.xml><?xml version="1.0" encoding="utf-8"?>
@@ -333,7 +790,7 @@
           <a:p>
             <a:fld id="{4BDF68E2-58F2-4D09-BE8B-E3BD06533059}" type="datetimeFigureOut">
               <a:rPr lang="en-US" dirty="0"/>
-              <a:t>1/18/2020</a:t>
+              <a:t>1/26/2020</a:t>
             </a:fld>
             <a:endParaRPr lang="en-US" dirty="0"/>
           </a:p>
@@ -536,7 +993,7 @@
           <a:p>
             <a:fld id="{2E2D6473-DF6D-4702-B328-E0DD40540A4E}" type="datetimeFigureOut">
               <a:rPr lang="en-US" dirty="0"/>
-              <a:t>1/18/2020</a:t>
+              <a:t>1/26/2020</a:t>
             </a:fld>
             <a:endParaRPr lang="en-US" dirty="0"/>
           </a:p>
@@ -787,7 +1244,7 @@
           <a:p>
             <a:fld id="{E26F7E3A-B166-407D-9866-32884E7D5B37}" type="datetimeFigureOut">
               <a:rPr lang="en-US" dirty="0"/>
-              <a:t>1/18/2020</a:t>
+              <a:t>1/26/2020</a:t>
             </a:fld>
             <a:endParaRPr lang="en-US" dirty="0"/>
           </a:p>
@@ -956,7 +1413,7 @@
           <a:p>
             <a:fld id="{528FC5F6-F338-4AE4-BB23-26385BCFC423}" type="datetimeFigureOut">
               <a:rPr lang="en-US" dirty="0"/>
-              <a:t>1/18/2020</a:t>
+              <a:t>1/26/2020</a:t>
             </a:fld>
             <a:endParaRPr lang="en-US" dirty="0"/>
           </a:p>
@@ -1294,7 +1751,7 @@
           <a:p>
             <a:fld id="{20EBB0C4-6273-4C6E-B9BD-2EDC30F1CD52}" type="datetimeFigureOut">
               <a:rPr lang="en-US" dirty="0"/>
-              <a:t>1/18/2020</a:t>
+              <a:t>1/26/2020</a:t>
             </a:fld>
             <a:endParaRPr lang="en-US" dirty="0"/>
           </a:p>
@@ -1564,7 +2021,7 @@
           <a:p>
             <a:fld id="{19AB4D41-86C1-4908-B66A-0B50CEB3BF29}" type="datetimeFigureOut">
               <a:rPr lang="en-US" dirty="0"/>
-              <a:t>1/18/2020</a:t>
+              <a:t>1/26/2020</a:t>
             </a:fld>
             <a:endParaRPr lang="en-US" dirty="0"/>
           </a:p>
@@ -1938,7 +2395,7 @@
           <a:p>
             <a:fld id="{E6426E2C-56C1-4E0D-A793-0088A7FDD37E}" type="datetimeFigureOut">
               <a:rPr lang="en-US" dirty="0"/>
-              <a:t>1/18/2020</a:t>
+              <a:t>1/26/2020</a:t>
             </a:fld>
             <a:endParaRPr lang="en-US" dirty="0"/>
           </a:p>
@@ -2051,7 +2508,7 @@
           <a:p>
             <a:fld id="{C8C39B41-D8B5-4052-B551-9B5525EAA8B6}" type="datetimeFigureOut">
               <a:rPr lang="en-US" dirty="0"/>
-              <a:t>1/18/2020</a:t>
+              <a:t>1/26/2020</a:t>
             </a:fld>
             <a:endParaRPr lang="en-US" dirty="0"/>
           </a:p>
@@ -2217,7 +2674,7 @@
           <a:p>
             <a:fld id="{4D94136C-8742-45B2-AF27-D93DF72833A9}" type="datetimeFigureOut">
               <a:rPr lang="en-US" dirty="0"/>
-              <a:t>1/18/2020</a:t>
+              <a:t>1/26/2020</a:t>
             </a:fld>
             <a:endParaRPr lang="en-US" dirty="0"/>
           </a:p>
@@ -2567,7 +3024,7 @@
           <a:p>
             <a:fld id="{32ABBEA6-7C60-4B02-AE87-00D78D8422AF}" type="datetimeFigureOut">
               <a:rPr lang="en-US" dirty="0"/>
-              <a:t>1/18/2020</a:t>
+              <a:t>1/26/2020</a:t>
             </a:fld>
             <a:endParaRPr lang="en-US" dirty="0"/>
           </a:p>
@@ -2945,7 +3402,7 @@
           <a:p>
             <a:fld id="{C9CAD897-D46E-4AD2-BD9B-49DD3E640873}" type="datetimeFigureOut">
               <a:rPr lang="en-US" dirty="0"/>
-              <a:t>1/18/2020</a:t>
+              <a:t>1/26/2020</a:t>
             </a:fld>
             <a:endParaRPr lang="en-US" dirty="0"/>
           </a:p>
@@ -3227,7 +3684,7 @@
           <a:p>
             <a:fld id="{98624D31-43A5-475A-80CF-332C9F6DCF35}" type="datetimeFigureOut">
               <a:rPr lang="en-US" dirty="0"/>
-              <a:t>1/18/2020</a:t>
+              <a:t>1/26/2020</a:t>
             </a:fld>
             <a:endParaRPr lang="en-US" dirty="0"/>
           </a:p>
@@ -3748,12 +4205,306 @@
           <a:chExt cx="0" cy="0"/>
         </a:xfrm>
       </p:grpSpPr>
-      <p:sp>
-        <p:nvSpPr>
-          <p:cNvPr id="8" name="矩形: 圆角 7">
+      <p:grpSp>
+        <p:nvGrpSpPr>
+          <p:cNvPr id="10" name="组合 9">
             <a:extLst>
               <a:ext uri="{FF2B5EF4-FFF2-40B4-BE49-F238E27FC236}">
-                <a16:creationId xmlns:a16="http://schemas.microsoft.com/office/drawing/2014/main" id="{A15BBE52-5D5A-4C1F-9EF0-7ECEA67F81EA}"/>
+                <a16:creationId xmlns:a16="http://schemas.microsoft.com/office/drawing/2014/main" id="{2F57F7E6-16C1-4DAE-93E5-2A95E44A7647}"/>
+              </a:ext>
+            </a:extLst>
+          </p:cNvPr>
+          <p:cNvGrpSpPr/>
+          <p:nvPr/>
+        </p:nvGrpSpPr>
+        <p:grpSpPr>
+          <a:xfrm>
+            <a:off x="53264" y="310721"/>
+            <a:ext cx="11847981" cy="5844424"/>
+            <a:chOff x="53264" y="310721"/>
+            <a:chExt cx="11847981" cy="5844424"/>
+          </a:xfrm>
+        </p:grpSpPr>
+        <p:pic>
+          <p:nvPicPr>
+            <p:cNvPr id="2" name="图片 1">
+              <a:extLst>
+                <a:ext uri="{FF2B5EF4-FFF2-40B4-BE49-F238E27FC236}">
+                  <a16:creationId xmlns:a16="http://schemas.microsoft.com/office/drawing/2014/main" id="{B419B16E-ED55-4DFC-9E3B-D02ECD939F0C}"/>
+                </a:ext>
+              </a:extLst>
+            </p:cNvPr>
+            <p:cNvPicPr>
+              <a:picLocks noChangeAspect="1"/>
+            </p:cNvPicPr>
+            <p:nvPr/>
+          </p:nvPicPr>
+          <p:blipFill rotWithShape="1">
+            <a:blip r:embed="rId3"/>
+            <a:srcRect l="5136" r="7915"/>
+            <a:stretch/>
+          </p:blipFill>
+          <p:spPr>
+            <a:xfrm>
+              <a:off x="53264" y="310721"/>
+              <a:ext cx="11847981" cy="5844424"/>
+            </a:xfrm>
+            <a:prstGeom prst="rect">
+              <a:avLst/>
+            </a:prstGeom>
+          </p:spPr>
+        </p:pic>
+        <p:cxnSp>
+          <p:nvCxnSpPr>
+            <p:cNvPr id="7" name="直接连接符 6">
+              <a:extLst>
+                <a:ext uri="{FF2B5EF4-FFF2-40B4-BE49-F238E27FC236}">
+                  <a16:creationId xmlns:a16="http://schemas.microsoft.com/office/drawing/2014/main" id="{D705B00D-9E64-4B1C-BC9A-7DCDDA7EB66D}"/>
+                </a:ext>
+              </a:extLst>
+            </p:cNvPr>
+            <p:cNvCxnSpPr/>
+            <p:nvPr/>
+          </p:nvCxnSpPr>
+          <p:spPr>
+            <a:xfrm>
+              <a:off x="6019065" y="3666475"/>
+              <a:ext cx="0" cy="736847"/>
+            </a:xfrm>
+            <a:prstGeom prst="line">
+              <a:avLst/>
+            </a:prstGeom>
+            <a:ln w="38100">
+              <a:solidFill>
+                <a:schemeClr val="tx1">
+                  <a:lumMod val="50000"/>
+                  <a:lumOff val="50000"/>
+                </a:schemeClr>
+              </a:solidFill>
+            </a:ln>
+          </p:spPr>
+          <p:style>
+            <a:lnRef idx="1">
+              <a:schemeClr val="accent1"/>
+            </a:lnRef>
+            <a:fillRef idx="0">
+              <a:schemeClr val="accent1"/>
+            </a:fillRef>
+            <a:effectRef idx="0">
+              <a:schemeClr val="accent1"/>
+            </a:effectRef>
+            <a:fontRef idx="minor">
+              <a:schemeClr val="tx1"/>
+            </a:fontRef>
+          </p:style>
+        </p:cxnSp>
+        <p:sp>
+          <p:nvSpPr>
+            <p:cNvPr id="8" name="任意多边形: 形状 7">
+              <a:extLst>
+                <a:ext uri="{FF2B5EF4-FFF2-40B4-BE49-F238E27FC236}">
+                  <a16:creationId xmlns:a16="http://schemas.microsoft.com/office/drawing/2014/main" id="{DC52D254-3FE1-4702-995E-196134976A33}"/>
+                </a:ext>
+              </a:extLst>
+            </p:cNvPr>
+            <p:cNvSpPr/>
+            <p:nvPr/>
+          </p:nvSpPr>
+          <p:spPr>
+            <a:xfrm>
+              <a:off x="3737504" y="3544409"/>
+              <a:ext cx="1438182" cy="1207363"/>
+            </a:xfrm>
+            <a:custGeom>
+              <a:avLst/>
+              <a:gdLst>
+                <a:gd name="connsiteX0" fmla="*/ 0 w 1438182"/>
+                <a:gd name="connsiteY0" fmla="*/ 0 h 1207363"/>
+                <a:gd name="connsiteX1" fmla="*/ 284085 w 1438182"/>
+                <a:gd name="connsiteY1" fmla="*/ 958788 h 1207363"/>
+                <a:gd name="connsiteX2" fmla="*/ 1145219 w 1438182"/>
+                <a:gd name="connsiteY2" fmla="*/ 1074198 h 1207363"/>
+                <a:gd name="connsiteX3" fmla="*/ 1438182 w 1438182"/>
+                <a:gd name="connsiteY3" fmla="*/ 1207363 h 1207363"/>
+              </a:gdLst>
+              <a:ahLst/>
+              <a:cxnLst>
+                <a:cxn ang="0">
+                  <a:pos x="connsiteX0" y="connsiteY0"/>
+                </a:cxn>
+                <a:cxn ang="0">
+                  <a:pos x="connsiteX1" y="connsiteY1"/>
+                </a:cxn>
+                <a:cxn ang="0">
+                  <a:pos x="connsiteX2" y="connsiteY2"/>
+                </a:cxn>
+                <a:cxn ang="0">
+                  <a:pos x="connsiteX3" y="connsiteY3"/>
+                </a:cxn>
+              </a:cxnLst>
+              <a:rect l="l" t="t" r="r" b="b"/>
+              <a:pathLst>
+                <a:path w="1438182" h="1207363">
+                  <a:moveTo>
+                    <a:pt x="0" y="0"/>
+                  </a:moveTo>
+                  <a:cubicBezTo>
+                    <a:pt x="46607" y="389877"/>
+                    <a:pt x="93215" y="779755"/>
+                    <a:pt x="284085" y="958788"/>
+                  </a:cubicBezTo>
+                  <a:cubicBezTo>
+                    <a:pt x="474955" y="1137821"/>
+                    <a:pt x="952869" y="1032769"/>
+                    <a:pt x="1145219" y="1074198"/>
+                  </a:cubicBezTo>
+                  <a:cubicBezTo>
+                    <a:pt x="1337569" y="1115627"/>
+                    <a:pt x="1411549" y="1188128"/>
+                    <a:pt x="1438182" y="1207363"/>
+                  </a:cubicBezTo>
+                </a:path>
+              </a:pathLst>
+            </a:custGeom>
+            <a:ln w="28575">
+              <a:solidFill>
+                <a:schemeClr val="tx2"/>
+              </a:solidFill>
+              <a:prstDash val="dash"/>
+              <a:headEnd type="arrow" w="med" len="med"/>
+              <a:tailEnd type="none" w="med" len="med"/>
+            </a:ln>
+          </p:spPr>
+          <p:style>
+            <a:lnRef idx="1">
+              <a:schemeClr val="dk1"/>
+            </a:lnRef>
+            <a:fillRef idx="0">
+              <a:schemeClr val="dk1"/>
+            </a:fillRef>
+            <a:effectRef idx="0">
+              <a:schemeClr val="dk1"/>
+            </a:effectRef>
+            <a:fontRef idx="minor">
+              <a:schemeClr val="tx1"/>
+            </a:fontRef>
+          </p:style>
+          <p:txBody>
+            <a:bodyPr rtlCol="0" anchor="ctr"/>
+            <a:lstStyle/>
+            <a:p>
+              <a:pPr algn="ctr"/>
+              <a:endParaRPr lang="zh-CN" altLang="en-US"/>
+            </a:p>
+          </p:txBody>
+        </p:sp>
+        <p:sp>
+          <p:nvSpPr>
+            <p:cNvPr id="9" name="任意多边形: 形状 8">
+              <a:extLst>
+                <a:ext uri="{FF2B5EF4-FFF2-40B4-BE49-F238E27FC236}">
+                  <a16:creationId xmlns:a16="http://schemas.microsoft.com/office/drawing/2014/main" id="{7F3DECD7-DD54-4D0A-B749-6DF3F8FC4CEB}"/>
+                </a:ext>
+              </a:extLst>
+            </p:cNvPr>
+            <p:cNvSpPr/>
+            <p:nvPr/>
+          </p:nvSpPr>
+          <p:spPr>
+            <a:xfrm flipH="1">
+              <a:off x="6954182" y="3511118"/>
+              <a:ext cx="1438182" cy="1207363"/>
+            </a:xfrm>
+            <a:custGeom>
+              <a:avLst/>
+              <a:gdLst>
+                <a:gd name="connsiteX0" fmla="*/ 0 w 1438182"/>
+                <a:gd name="connsiteY0" fmla="*/ 0 h 1207363"/>
+                <a:gd name="connsiteX1" fmla="*/ 284085 w 1438182"/>
+                <a:gd name="connsiteY1" fmla="*/ 958788 h 1207363"/>
+                <a:gd name="connsiteX2" fmla="*/ 1145219 w 1438182"/>
+                <a:gd name="connsiteY2" fmla="*/ 1074198 h 1207363"/>
+                <a:gd name="connsiteX3" fmla="*/ 1438182 w 1438182"/>
+                <a:gd name="connsiteY3" fmla="*/ 1207363 h 1207363"/>
+              </a:gdLst>
+              <a:ahLst/>
+              <a:cxnLst>
+                <a:cxn ang="0">
+                  <a:pos x="connsiteX0" y="connsiteY0"/>
+                </a:cxn>
+                <a:cxn ang="0">
+                  <a:pos x="connsiteX1" y="connsiteY1"/>
+                </a:cxn>
+                <a:cxn ang="0">
+                  <a:pos x="connsiteX2" y="connsiteY2"/>
+                </a:cxn>
+                <a:cxn ang="0">
+                  <a:pos x="connsiteX3" y="connsiteY3"/>
+                </a:cxn>
+              </a:cxnLst>
+              <a:rect l="l" t="t" r="r" b="b"/>
+              <a:pathLst>
+                <a:path w="1438182" h="1207363">
+                  <a:moveTo>
+                    <a:pt x="0" y="0"/>
+                  </a:moveTo>
+                  <a:cubicBezTo>
+                    <a:pt x="46607" y="389877"/>
+                    <a:pt x="93215" y="779755"/>
+                    <a:pt x="284085" y="958788"/>
+                  </a:cubicBezTo>
+                  <a:cubicBezTo>
+                    <a:pt x="474955" y="1137821"/>
+                    <a:pt x="952869" y="1032769"/>
+                    <a:pt x="1145219" y="1074198"/>
+                  </a:cubicBezTo>
+                  <a:cubicBezTo>
+                    <a:pt x="1337569" y="1115627"/>
+                    <a:pt x="1411549" y="1188128"/>
+                    <a:pt x="1438182" y="1207363"/>
+                  </a:cubicBezTo>
+                </a:path>
+              </a:pathLst>
+            </a:custGeom>
+            <a:ln w="28575">
+              <a:solidFill>
+                <a:schemeClr val="tx2"/>
+              </a:solidFill>
+              <a:prstDash val="dash"/>
+              <a:headEnd type="arrow" w="med" len="med"/>
+              <a:tailEnd type="none" w="med" len="med"/>
+            </a:ln>
+          </p:spPr>
+          <p:style>
+            <a:lnRef idx="1">
+              <a:schemeClr val="dk1"/>
+            </a:lnRef>
+            <a:fillRef idx="0">
+              <a:schemeClr val="dk1"/>
+            </a:fillRef>
+            <a:effectRef idx="0">
+              <a:schemeClr val="dk1"/>
+            </a:effectRef>
+            <a:fontRef idx="minor">
+              <a:schemeClr val="tx1"/>
+            </a:fontRef>
+          </p:style>
+          <p:txBody>
+            <a:bodyPr rtlCol="0" anchor="ctr"/>
+            <a:lstStyle/>
+            <a:p>
+              <a:pPr algn="ctr"/>
+              <a:endParaRPr lang="zh-CN" altLang="en-US"/>
+            </a:p>
+          </p:txBody>
+        </p:sp>
+      </p:grpSp>
+      <p:sp>
+        <p:nvSpPr>
+          <p:cNvPr id="14" name="矩形: 圆角 13">
+            <a:extLst>
+              <a:ext uri="{FF2B5EF4-FFF2-40B4-BE49-F238E27FC236}">
+                <a16:creationId xmlns:a16="http://schemas.microsoft.com/office/drawing/2014/main" id="{AED8143E-CC9B-4E81-BD1A-E68E5FF2E3E8}"/>
               </a:ext>
             </a:extLst>
           </p:cNvPr>
@@ -3762,8 +4513,8 @@
         </p:nvSpPr>
         <p:spPr>
           <a:xfrm>
-            <a:off x="4529139" y="424109"/>
-            <a:ext cx="1566861" cy="566739"/>
+            <a:off x="578745" y="156905"/>
+            <a:ext cx="1622066" cy="545950"/>
           </a:xfrm>
           <a:prstGeom prst="roundRect">
             <a:avLst/>
@@ -3791,98 +4542,48 @@
           <a:p>
             <a:pPr algn="ctr"/>
             <a:r>
-              <a:rPr lang="zh-CN" altLang="en-US" dirty="0"/>
-              <a:t>用户</a:t>
-            </a:r>
-          </a:p>
-        </p:txBody>
-      </p:sp>
-      <p:cxnSp>
-        <p:nvCxnSpPr>
-          <p:cNvPr id="10" name="连接符: 曲线 9">
+              <a:rPr lang="zh-CN" altLang="en-US" sz="2400" dirty="0"/>
+              <a:t>功能设计</a:t>
+            </a:r>
+          </a:p>
+        </p:txBody>
+      </p:sp>
+    </p:spTree>
+    <p:extLst>
+      <p:ext uri="{BB962C8B-B14F-4D97-AF65-F5344CB8AC3E}">
+        <p14:creationId xmlns:p14="http://schemas.microsoft.com/office/powerpoint/2010/main" val="639058845"/>
+      </p:ext>
+    </p:extLst>
+  </p:cSld>
+  <p:clrMapOvr>
+    <a:masterClrMapping/>
+  </p:clrMapOvr>
+</p:sld>
+</file>
+
+<file path=ppt/slides/slide2.xml><?xml version="1.0" encoding="utf-8"?>
+<p:sld xmlns:a="http://schemas.openxmlformats.org/drawingml/2006/main" xmlns:r="http://schemas.openxmlformats.org/officeDocument/2006/relationships" xmlns:p="http://schemas.openxmlformats.org/presentationml/2006/main">
+  <p:cSld>
+    <p:spTree>
+      <p:nvGrpSpPr>
+        <p:cNvPr id="1" name=""/>
+        <p:cNvGrpSpPr/>
+        <p:nvPr/>
+      </p:nvGrpSpPr>
+      <p:grpSpPr>
+        <a:xfrm>
+          <a:off x="0" y="0"/>
+          <a:ext cx="0" cy="0"/>
+          <a:chOff x="0" y="0"/>
+          <a:chExt cx="0" cy="0"/>
+        </a:xfrm>
+      </p:grpSpPr>
+      <p:sp>
+        <p:nvSpPr>
+          <p:cNvPr id="4" name="矩形 3">
             <a:extLst>
               <a:ext uri="{FF2B5EF4-FFF2-40B4-BE49-F238E27FC236}">
-                <a16:creationId xmlns:a16="http://schemas.microsoft.com/office/drawing/2014/main" id="{BC4FD8D6-B88B-451F-87B1-5E30F621B46A}"/>
-              </a:ext>
-            </a:extLst>
-          </p:cNvPr>
-          <p:cNvCxnSpPr/>
-          <p:nvPr/>
-        </p:nvCxnSpPr>
-        <p:spPr>
-          <a:xfrm>
-            <a:off x="5403780" y="581311"/>
-            <a:ext cx="1971675" cy="1619251"/>
-          </a:xfrm>
-          <a:prstGeom prst="curvedConnector3">
-            <a:avLst/>
-          </a:prstGeom>
-          <a:ln>
-            <a:headEnd type="triangle"/>
-            <a:tailEnd type="triangle"/>
-          </a:ln>
-        </p:spPr>
-        <p:style>
-          <a:lnRef idx="1">
-            <a:schemeClr val="accent1"/>
-          </a:lnRef>
-          <a:fillRef idx="0">
-            <a:schemeClr val="accent1"/>
-          </a:fillRef>
-          <a:effectRef idx="0">
-            <a:schemeClr val="accent1"/>
-          </a:effectRef>
-          <a:fontRef idx="minor">
-            <a:schemeClr val="tx1"/>
-          </a:fontRef>
-        </p:style>
-      </p:cxnSp>
-      <p:cxnSp>
-        <p:nvCxnSpPr>
-          <p:cNvPr id="12" name="连接符: 曲线 11">
-            <a:extLst>
-              <a:ext uri="{FF2B5EF4-FFF2-40B4-BE49-F238E27FC236}">
-                <a16:creationId xmlns:a16="http://schemas.microsoft.com/office/drawing/2014/main" id="{43A2C570-8527-4C17-8E39-1E480208B2CE}"/>
-              </a:ext>
-            </a:extLst>
-          </p:cNvPr>
-          <p:cNvCxnSpPr/>
-          <p:nvPr/>
-        </p:nvCxnSpPr>
-        <p:spPr>
-          <a:xfrm rot="10800000" flipV="1">
-            <a:off x="2766143" y="647987"/>
-            <a:ext cx="2152650" cy="1485901"/>
-          </a:xfrm>
-          <a:prstGeom prst="curvedConnector3">
-            <a:avLst/>
-          </a:prstGeom>
-          <a:ln>
-            <a:headEnd type="triangle"/>
-            <a:tailEnd type="triangle"/>
-          </a:ln>
-        </p:spPr>
-        <p:style>
-          <a:lnRef idx="1">
-            <a:schemeClr val="accent1"/>
-          </a:lnRef>
-          <a:fillRef idx="0">
-            <a:schemeClr val="accent1"/>
-          </a:fillRef>
-          <a:effectRef idx="0">
-            <a:schemeClr val="accent1"/>
-          </a:effectRef>
-          <a:fontRef idx="minor">
-            <a:schemeClr val="tx1"/>
-          </a:fontRef>
-        </p:style>
-      </p:cxnSp>
-      <p:sp>
-        <p:nvSpPr>
-          <p:cNvPr id="13" name="椭圆 12">
-            <a:extLst>
-              <a:ext uri="{FF2B5EF4-FFF2-40B4-BE49-F238E27FC236}">
-                <a16:creationId xmlns:a16="http://schemas.microsoft.com/office/drawing/2014/main" id="{1DA437A0-9036-49EB-A70A-6539BA525EB5}"/>
+                <a16:creationId xmlns:a16="http://schemas.microsoft.com/office/drawing/2014/main" id="{8C493F9F-A43A-4690-8B25-34E228BC3D15}"/>
               </a:ext>
             </a:extLst>
           </p:cNvPr>
@@ -3891,10 +4592,479 @@
         </p:nvSpPr>
         <p:spPr>
           <a:xfrm>
-            <a:off x="2201599" y="1890827"/>
-            <a:ext cx="1503709" cy="613834"/>
+            <a:off x="685279" y="1121287"/>
+            <a:ext cx="3957741" cy="3495100"/>
           </a:xfrm>
-          <a:prstGeom prst="ellipse">
+          <a:prstGeom prst="rect">
+            <a:avLst/>
+          </a:prstGeom>
+          <a:ln>
+            <a:noFill/>
+          </a:ln>
+        </p:spPr>
+        <p:style>
+          <a:lnRef idx="2">
+            <a:schemeClr val="dk1"/>
+          </a:lnRef>
+          <a:fillRef idx="1">
+            <a:schemeClr val="lt1"/>
+          </a:fillRef>
+          <a:effectRef idx="0">
+            <a:schemeClr val="dk1"/>
+          </a:effectRef>
+          <a:fontRef idx="minor">
+            <a:schemeClr val="dk1"/>
+          </a:fontRef>
+        </p:style>
+        <p:txBody>
+          <a:bodyPr rtlCol="0" anchor="ctr"/>
+          <a:lstStyle/>
+          <a:p>
+            <a:r>
+              <a:rPr lang="zh-CN" altLang="en-US" sz="2400" dirty="0">
+                <a:latin typeface="+mn-ea"/>
+              </a:rPr>
+              <a:t>管理员</a:t>
+            </a:r>
+            <a:r>
+              <a:rPr lang="en-US" altLang="zh-CN" sz="2400" dirty="0">
+                <a:latin typeface="+mn-ea"/>
+              </a:rPr>
+              <a:t>:</a:t>
+            </a:r>
+          </a:p>
+          <a:p>
+            <a:endParaRPr lang="en-US" altLang="zh-CN" sz="2000" dirty="0">
+              <a:latin typeface="+mn-ea"/>
+            </a:endParaRPr>
+          </a:p>
+          <a:p>
+            <a:r>
+              <a:rPr lang="zh-CN" altLang="en-US" sz="2000" dirty="0">
+                <a:latin typeface="+mn-ea"/>
+              </a:rPr>
+              <a:t>①注销登录 </a:t>
+            </a:r>
+            <a:r>
+              <a:rPr lang="en-US" altLang="zh-CN" sz="2000" dirty="0">
+                <a:latin typeface="+mn-ea"/>
+              </a:rPr>
+              <a:t>break;</a:t>
+            </a:r>
+          </a:p>
+          <a:p>
+            <a:r>
+              <a:rPr lang="zh-CN" altLang="en-US" sz="2000" dirty="0">
+                <a:latin typeface="+mn-ea"/>
+              </a:rPr>
+              <a:t>②</a:t>
+            </a:r>
+            <a:r>
+              <a:rPr lang="en-US" altLang="zh-CN" sz="2000" dirty="0">
+                <a:latin typeface="+mn-ea"/>
+              </a:rPr>
+              <a:t>struct GOOD </a:t>
+            </a:r>
+            <a:r>
+              <a:rPr lang="en-US" altLang="zh-CN" sz="2000" dirty="0" err="1">
+                <a:latin typeface="+mn-ea"/>
+              </a:rPr>
+              <a:t>good_list</a:t>
+            </a:r>
+            <a:endParaRPr lang="en-US" altLang="zh-CN" sz="2000" dirty="0">
+              <a:latin typeface="+mn-ea"/>
+            </a:endParaRPr>
+          </a:p>
+          <a:p>
+            <a:r>
+              <a:rPr lang="zh-CN" altLang="en-US" sz="2000" dirty="0">
+                <a:latin typeface="+mn-ea"/>
+              </a:rPr>
+              <a:t>查询商品 </a:t>
+            </a:r>
+            <a:endParaRPr lang="en-US" altLang="zh-CN" sz="2000" dirty="0">
+              <a:latin typeface="+mn-ea"/>
+            </a:endParaRPr>
+          </a:p>
+          <a:p>
+            <a:r>
+              <a:rPr lang="zh-CN" altLang="en-US" sz="2000" dirty="0">
+                <a:latin typeface="+mn-ea"/>
+              </a:rPr>
+              <a:t>增加商品 </a:t>
+            </a:r>
+            <a:endParaRPr lang="en-US" altLang="zh-CN" sz="2000" dirty="0">
+              <a:latin typeface="+mn-ea"/>
+            </a:endParaRPr>
+          </a:p>
+          <a:p>
+            <a:r>
+              <a:rPr lang="zh-CN" altLang="en-US" sz="2000" dirty="0">
+                <a:latin typeface="+mn-ea"/>
+              </a:rPr>
+              <a:t>删除商品</a:t>
+            </a:r>
+            <a:endParaRPr lang="en-US" altLang="zh-CN" sz="2000" dirty="0">
+              <a:latin typeface="+mn-ea"/>
+            </a:endParaRPr>
+          </a:p>
+          <a:p>
+            <a:r>
+              <a:rPr lang="zh-CN" altLang="en-US" sz="2000" dirty="0">
+                <a:latin typeface="+mn-ea"/>
+              </a:rPr>
+              <a:t>修改商品数量 </a:t>
+            </a:r>
+            <a:endParaRPr lang="en-US" altLang="zh-CN" sz="2000" dirty="0">
+              <a:latin typeface="+mn-ea"/>
+            </a:endParaRPr>
+          </a:p>
+          <a:p>
+            <a:r>
+              <a:rPr lang="zh-CN" altLang="en-US" sz="2000" dirty="0">
+                <a:latin typeface="+mn-ea"/>
+              </a:rPr>
+              <a:t>③</a:t>
+            </a:r>
+            <a:r>
+              <a:rPr lang="en-US" altLang="zh-CN" sz="2000" dirty="0">
+                <a:latin typeface="+mn-ea"/>
+              </a:rPr>
+              <a:t>GOOD </a:t>
+            </a:r>
+            <a:r>
+              <a:rPr lang="en-US" altLang="zh-CN" sz="2000" dirty="0" err="1">
+                <a:latin typeface="+mn-ea"/>
+              </a:rPr>
+              <a:t>sell_list</a:t>
+            </a:r>
+            <a:endParaRPr lang="en-US" altLang="zh-CN" sz="2000" dirty="0">
+              <a:latin typeface="+mn-ea"/>
+            </a:endParaRPr>
+          </a:p>
+          <a:p>
+            <a:r>
+              <a:rPr lang="zh-CN" altLang="en-US" sz="2000" dirty="0">
+                <a:latin typeface="+mn-ea"/>
+              </a:rPr>
+              <a:t>售货清单 </a:t>
+            </a:r>
+          </a:p>
+        </p:txBody>
+      </p:sp>
+      <p:sp>
+        <p:nvSpPr>
+          <p:cNvPr id="8" name="矩形 7">
+            <a:extLst>
+              <a:ext uri="{FF2B5EF4-FFF2-40B4-BE49-F238E27FC236}">
+                <a16:creationId xmlns:a16="http://schemas.microsoft.com/office/drawing/2014/main" id="{7CF61261-0B22-4CB5-A5CE-20729838971D}"/>
+              </a:ext>
+            </a:extLst>
+          </p:cNvPr>
+          <p:cNvSpPr/>
+          <p:nvPr/>
+        </p:nvSpPr>
+        <p:spPr>
+          <a:xfrm>
+            <a:off x="6096000" y="1670719"/>
+            <a:ext cx="3850130" cy="3267986"/>
+          </a:xfrm>
+          <a:prstGeom prst="rect">
+            <a:avLst/>
+          </a:prstGeom>
+          <a:ln>
+            <a:noFill/>
+          </a:ln>
+        </p:spPr>
+        <p:style>
+          <a:lnRef idx="2">
+            <a:schemeClr val="dk1"/>
+          </a:lnRef>
+          <a:fillRef idx="1">
+            <a:schemeClr val="lt1"/>
+          </a:fillRef>
+          <a:effectRef idx="0">
+            <a:schemeClr val="dk1"/>
+          </a:effectRef>
+          <a:fontRef idx="minor">
+            <a:schemeClr val="dk1"/>
+          </a:fontRef>
+        </p:style>
+        <p:txBody>
+          <a:bodyPr rtlCol="0" anchor="ctr"/>
+          <a:lstStyle/>
+          <a:p>
+            <a:r>
+              <a:rPr lang="zh-CN" altLang="en-US" sz="2400" dirty="0">
+                <a:solidFill>
+                  <a:schemeClr val="dk1"/>
+                </a:solidFill>
+                <a:latin typeface="+mn-ea"/>
+              </a:rPr>
+              <a:t>消费者：</a:t>
+            </a:r>
+            <a:endParaRPr lang="en-US" altLang="zh-CN" sz="2400" dirty="0">
+              <a:solidFill>
+                <a:schemeClr val="dk1"/>
+              </a:solidFill>
+              <a:latin typeface="+mn-ea"/>
+            </a:endParaRPr>
+          </a:p>
+          <a:p>
+            <a:endParaRPr lang="en-US" altLang="zh-CN" sz="2000" dirty="0">
+              <a:solidFill>
+                <a:schemeClr val="dk1"/>
+              </a:solidFill>
+              <a:latin typeface="+mn-ea"/>
+            </a:endParaRPr>
+          </a:p>
+          <a:p>
+            <a:r>
+              <a:rPr lang="zh-CN" altLang="en-US" sz="2000" dirty="0">
+                <a:solidFill>
+                  <a:schemeClr val="dk1"/>
+                </a:solidFill>
+                <a:latin typeface="+mn-ea"/>
+              </a:rPr>
+              <a:t>①注销登录 </a:t>
+            </a:r>
+            <a:r>
+              <a:rPr lang="en-US" altLang="zh-CN" sz="2000" dirty="0">
+                <a:solidFill>
+                  <a:schemeClr val="dk1"/>
+                </a:solidFill>
+                <a:latin typeface="+mn-ea"/>
+              </a:rPr>
+              <a:t>break;</a:t>
+            </a:r>
+          </a:p>
+          <a:p>
+            <a:r>
+              <a:rPr lang="zh-CN" altLang="en-US" sz="2000" dirty="0">
+                <a:solidFill>
+                  <a:schemeClr val="dk1"/>
+                </a:solidFill>
+                <a:latin typeface="+mn-ea"/>
+              </a:rPr>
+              <a:t>②</a:t>
+            </a:r>
+            <a:r>
+              <a:rPr lang="en-US" altLang="zh-CN" sz="2000" dirty="0">
+                <a:solidFill>
+                  <a:schemeClr val="dk1"/>
+                </a:solidFill>
+                <a:latin typeface="+mn-ea"/>
+              </a:rPr>
+              <a:t>struct GOOD </a:t>
+            </a:r>
+            <a:r>
+              <a:rPr lang="en-US" altLang="zh-CN" sz="2000" dirty="0" err="1">
+                <a:solidFill>
+                  <a:schemeClr val="dk1"/>
+                </a:solidFill>
+                <a:latin typeface="+mn-ea"/>
+              </a:rPr>
+              <a:t>good_list</a:t>
+            </a:r>
+            <a:endParaRPr lang="en-US" altLang="zh-CN" sz="2000" dirty="0">
+              <a:solidFill>
+                <a:schemeClr val="dk1"/>
+              </a:solidFill>
+              <a:latin typeface="+mn-ea"/>
+            </a:endParaRPr>
+          </a:p>
+          <a:p>
+            <a:r>
+              <a:rPr lang="zh-CN" altLang="en-US" sz="2000" dirty="0">
+                <a:solidFill>
+                  <a:schemeClr val="dk1"/>
+                </a:solidFill>
+                <a:latin typeface="+mn-ea"/>
+              </a:rPr>
+              <a:t>查看商品 </a:t>
+            </a:r>
+            <a:r>
+              <a:rPr lang="en-US" altLang="zh-CN" sz="2000" dirty="0">
+                <a:solidFill>
+                  <a:schemeClr val="dk1"/>
+                </a:solidFill>
+                <a:latin typeface="+mn-ea"/>
+              </a:rPr>
+              <a:t>(print)</a:t>
+            </a:r>
+          </a:p>
+          <a:p>
+            <a:r>
+              <a:rPr lang="zh-CN" altLang="en-US" sz="2000" dirty="0">
+                <a:solidFill>
+                  <a:schemeClr val="dk1"/>
+                </a:solidFill>
+                <a:latin typeface="+mn-ea"/>
+              </a:rPr>
+              <a:t>商品搜索 </a:t>
+            </a:r>
+            <a:endParaRPr lang="en-US" altLang="zh-CN" sz="2000" dirty="0">
+              <a:solidFill>
+                <a:schemeClr val="dk1"/>
+              </a:solidFill>
+              <a:latin typeface="+mn-ea"/>
+            </a:endParaRPr>
+          </a:p>
+          <a:p>
+            <a:r>
+              <a:rPr lang="zh-CN" altLang="en-US" sz="2000" dirty="0">
+                <a:solidFill>
+                  <a:schemeClr val="dk1"/>
+                </a:solidFill>
+                <a:latin typeface="+mn-ea"/>
+              </a:rPr>
+              <a:t>③</a:t>
+            </a:r>
+            <a:r>
+              <a:rPr lang="en-US" altLang="zh-CN" sz="2000" dirty="0">
+                <a:solidFill>
+                  <a:schemeClr val="dk1"/>
+                </a:solidFill>
+                <a:latin typeface="+mn-ea"/>
+              </a:rPr>
+              <a:t>GOOD cart </a:t>
+            </a:r>
+          </a:p>
+          <a:p>
+            <a:r>
+              <a:rPr lang="zh-CN" altLang="en-US" sz="2000" dirty="0">
+                <a:solidFill>
+                  <a:schemeClr val="dk1"/>
+                </a:solidFill>
+                <a:latin typeface="+mn-ea"/>
+              </a:rPr>
+              <a:t>添加商品至购物车 </a:t>
+            </a:r>
+            <a:endParaRPr lang="en-US" altLang="zh-CN" sz="2000" dirty="0">
+              <a:solidFill>
+                <a:schemeClr val="dk1"/>
+              </a:solidFill>
+              <a:latin typeface="+mn-ea"/>
+            </a:endParaRPr>
+          </a:p>
+          <a:p>
+            <a:r>
+              <a:rPr lang="zh-CN" altLang="en-US" sz="2000" dirty="0">
+                <a:solidFill>
+                  <a:schemeClr val="dk1"/>
+                </a:solidFill>
+                <a:latin typeface="+mn-ea"/>
+              </a:rPr>
+              <a:t>删除购物车商品</a:t>
+            </a:r>
+            <a:endParaRPr lang="en-US" altLang="zh-CN" sz="2000" dirty="0">
+              <a:solidFill>
+                <a:schemeClr val="dk1"/>
+              </a:solidFill>
+              <a:latin typeface="+mn-ea"/>
+            </a:endParaRPr>
+          </a:p>
+          <a:p>
+            <a:r>
+              <a:rPr lang="zh-CN" altLang="en-US" sz="2000" dirty="0">
+                <a:solidFill>
+                  <a:schemeClr val="dk1"/>
+                </a:solidFill>
+                <a:latin typeface="+mn-ea"/>
+              </a:rPr>
+              <a:t>查看购物车</a:t>
+            </a:r>
+            <a:endParaRPr lang="en-US" altLang="zh-CN" sz="2000" dirty="0">
+              <a:solidFill>
+                <a:schemeClr val="dk1"/>
+              </a:solidFill>
+              <a:latin typeface="+mn-ea"/>
+            </a:endParaRPr>
+          </a:p>
+          <a:p>
+            <a:r>
+              <a:rPr lang="zh-CN" altLang="en-US" sz="2000" dirty="0">
+                <a:solidFill>
+                  <a:schemeClr val="dk1"/>
+                </a:solidFill>
+                <a:latin typeface="+mn-ea"/>
+              </a:rPr>
+              <a:t>结账</a:t>
+            </a:r>
+            <a:r>
+              <a:rPr lang="en-US" altLang="zh-CN" sz="2000" dirty="0">
+                <a:solidFill>
+                  <a:schemeClr val="dk1"/>
+                </a:solidFill>
+                <a:latin typeface="+mn-ea"/>
+              </a:rPr>
+              <a:t>(add(</a:t>
+            </a:r>
+            <a:r>
+              <a:rPr lang="en-US" altLang="zh-CN" sz="2000" dirty="0" err="1">
+                <a:solidFill>
+                  <a:schemeClr val="dk1"/>
+                </a:solidFill>
+                <a:latin typeface="+mn-ea"/>
+              </a:rPr>
+              <a:t>cart.money</a:t>
+            </a:r>
+            <a:r>
+              <a:rPr lang="en-US" altLang="zh-CN" sz="2000" dirty="0">
+                <a:solidFill>
+                  <a:schemeClr val="dk1"/>
+                </a:solidFill>
+                <a:latin typeface="+mn-ea"/>
+              </a:rPr>
+              <a:t>*</a:t>
+            </a:r>
+            <a:r>
+              <a:rPr lang="en-US" altLang="zh-CN" sz="2000" dirty="0" err="1">
+                <a:solidFill>
+                  <a:schemeClr val="dk1"/>
+                </a:solidFill>
+                <a:latin typeface="+mn-ea"/>
+              </a:rPr>
+              <a:t>cart.amount</a:t>
+            </a:r>
+            <a:r>
+              <a:rPr lang="en-US" altLang="zh-CN" sz="2000" dirty="0">
+                <a:solidFill>
+                  <a:schemeClr val="dk1"/>
+                </a:solidFill>
+                <a:latin typeface="+mn-ea"/>
+              </a:rPr>
+              <a:t>))</a:t>
+            </a:r>
+          </a:p>
+          <a:p>
+            <a:endParaRPr lang="zh-CN" altLang="en-US" sz="2000" dirty="0">
+              <a:solidFill>
+                <a:schemeClr val="dk1"/>
+              </a:solidFill>
+              <a:latin typeface="+mn-ea"/>
+            </a:endParaRPr>
+          </a:p>
+        </p:txBody>
+      </p:sp>
+      <p:sp>
+        <p:nvSpPr>
+          <p:cNvPr id="9" name="矩形: 圆角 8">
+            <a:extLst>
+              <a:ext uri="{FF2B5EF4-FFF2-40B4-BE49-F238E27FC236}">
+                <a16:creationId xmlns:a16="http://schemas.microsoft.com/office/drawing/2014/main" id="{BD9B0023-1565-430A-894A-9D1B682175BC}"/>
+              </a:ext>
+            </a:extLst>
+          </p:cNvPr>
+          <p:cNvSpPr/>
+          <p:nvPr/>
+        </p:nvSpPr>
+        <p:spPr>
+          <a:xfrm>
+            <a:off x="685279" y="370844"/>
+            <a:ext cx="1622066" cy="545950"/>
+          </a:xfrm>
+          <a:prstGeom prst="roundRect">
             <a:avLst/>
           </a:prstGeom>
         </p:spPr>
@@ -3920,18 +5090,48 @@
           <a:p>
             <a:pPr algn="ctr"/>
             <a:r>
-              <a:rPr lang="zh-CN" altLang="en-US" dirty="0"/>
-              <a:t>管理者</a:t>
-            </a:r>
-          </a:p>
-        </p:txBody>
-      </p:sp>
-      <p:sp>
-        <p:nvSpPr>
-          <p:cNvPr id="14" name="椭圆 13">
+              <a:rPr lang="zh-CN" altLang="en-US" sz="2400" dirty="0"/>
+              <a:t>基本功能</a:t>
+            </a:r>
+          </a:p>
+        </p:txBody>
+      </p:sp>
+    </p:spTree>
+    <p:extLst>
+      <p:ext uri="{BB962C8B-B14F-4D97-AF65-F5344CB8AC3E}">
+        <p14:creationId xmlns:p14="http://schemas.microsoft.com/office/powerpoint/2010/main" val="700921540"/>
+      </p:ext>
+    </p:extLst>
+  </p:cSld>
+  <p:clrMapOvr>
+    <a:masterClrMapping/>
+  </p:clrMapOvr>
+</p:sld>
+</file>
+
+<file path=ppt/slides/slide3.xml><?xml version="1.0" encoding="utf-8"?>
+<p:sld xmlns:a="http://schemas.openxmlformats.org/drawingml/2006/main" xmlns:r="http://schemas.openxmlformats.org/officeDocument/2006/relationships" xmlns:p="http://schemas.openxmlformats.org/presentationml/2006/main">
+  <p:cSld>
+    <p:spTree>
+      <p:nvGrpSpPr>
+        <p:cNvPr id="1" name=""/>
+        <p:cNvGrpSpPr/>
+        <p:nvPr/>
+      </p:nvGrpSpPr>
+      <p:grpSpPr>
+        <a:xfrm>
+          <a:off x="0" y="0"/>
+          <a:ext cx="0" cy="0"/>
+          <a:chOff x="0" y="0"/>
+          <a:chExt cx="0" cy="0"/>
+        </a:xfrm>
+      </p:grpSpPr>
+      <p:sp>
+        <p:nvSpPr>
+          <p:cNvPr id="4" name="矩形 3">
             <a:extLst>
               <a:ext uri="{FF2B5EF4-FFF2-40B4-BE49-F238E27FC236}">
-                <a16:creationId xmlns:a16="http://schemas.microsoft.com/office/drawing/2014/main" id="{18D6D44A-2CD4-4045-8356-3F0429633D03}"/>
+                <a16:creationId xmlns:a16="http://schemas.microsoft.com/office/drawing/2014/main" id="{8C493F9F-A43A-4690-8B25-34E228BC3D15}"/>
               </a:ext>
             </a:extLst>
           </p:cNvPr>
@@ -3940,10 +5140,304 @@
         </p:nvSpPr>
         <p:spPr>
           <a:xfrm>
-            <a:off x="6885830" y="1890827"/>
-            <a:ext cx="1364266" cy="542272"/>
+            <a:off x="685279" y="1121287"/>
+            <a:ext cx="3957741" cy="3495100"/>
           </a:xfrm>
-          <a:prstGeom prst="ellipse">
+          <a:prstGeom prst="rect">
+            <a:avLst/>
+          </a:prstGeom>
+          <a:ln>
+            <a:noFill/>
+          </a:ln>
+        </p:spPr>
+        <p:style>
+          <a:lnRef idx="2">
+            <a:schemeClr val="dk1"/>
+          </a:lnRef>
+          <a:fillRef idx="1">
+            <a:schemeClr val="lt1"/>
+          </a:fillRef>
+          <a:effectRef idx="0">
+            <a:schemeClr val="dk1"/>
+          </a:effectRef>
+          <a:fontRef idx="minor">
+            <a:schemeClr val="dk1"/>
+          </a:fontRef>
+        </p:style>
+        <p:txBody>
+          <a:bodyPr rtlCol="0" anchor="ctr"/>
+          <a:lstStyle/>
+          <a:p>
+            <a:r>
+              <a:rPr lang="zh-CN" altLang="en-US" sz="2400" dirty="0">
+                <a:latin typeface="+mn-ea"/>
+              </a:rPr>
+              <a:t>管理员</a:t>
+            </a:r>
+            <a:r>
+              <a:rPr lang="en-US" altLang="zh-CN" sz="2400" dirty="0">
+                <a:latin typeface="+mn-ea"/>
+              </a:rPr>
+              <a:t>:</a:t>
+            </a:r>
+          </a:p>
+          <a:p>
+            <a:endParaRPr lang="en-US" altLang="zh-CN" sz="2400" dirty="0">
+              <a:latin typeface="+mn-ea"/>
+            </a:endParaRPr>
+          </a:p>
+          <a:p>
+            <a:r>
+              <a:rPr lang="zh-CN" altLang="en-US" sz="2000" dirty="0">
+                <a:latin typeface="+mn-ea"/>
+              </a:rPr>
+              <a:t>④统计销售</a:t>
+            </a:r>
+            <a:endParaRPr lang="en-US" altLang="zh-CN" sz="2000" dirty="0">
+              <a:latin typeface="+mn-ea"/>
+            </a:endParaRPr>
+          </a:p>
+          <a:p>
+            <a:r>
+              <a:rPr lang="zh-CN" altLang="en-US" sz="2000" dirty="0">
+                <a:latin typeface="+mn-ea"/>
+              </a:rPr>
+              <a:t>热销排行：</a:t>
+            </a:r>
+            <a:r>
+              <a:rPr lang="en-US" altLang="zh-CN" sz="2000" dirty="0">
+                <a:latin typeface="+mn-ea"/>
+              </a:rPr>
+              <a:t>GOOD </a:t>
+            </a:r>
+            <a:r>
+              <a:rPr lang="en-US" altLang="zh-CN" sz="2000" dirty="0" err="1">
+                <a:latin typeface="+mn-ea"/>
+              </a:rPr>
+              <a:t>hot_list</a:t>
+            </a:r>
+            <a:endParaRPr lang="en-US" altLang="zh-CN" sz="2000" dirty="0">
+              <a:latin typeface="+mn-ea"/>
+            </a:endParaRPr>
+          </a:p>
+          <a:p>
+            <a:r>
+              <a:rPr lang="zh-CN" altLang="en-US" sz="2000" dirty="0">
+                <a:latin typeface="+mn-ea"/>
+              </a:rPr>
+              <a:t>冷门商品：</a:t>
+            </a:r>
+            <a:r>
+              <a:rPr lang="en-US" altLang="zh-CN" sz="2000" dirty="0">
+                <a:latin typeface="+mn-ea"/>
+              </a:rPr>
+              <a:t>GOOD </a:t>
+            </a:r>
+            <a:r>
+              <a:rPr lang="en-US" altLang="zh-CN" sz="2000" dirty="0" err="1">
+                <a:latin typeface="+mn-ea"/>
+              </a:rPr>
+              <a:t>unpop_list</a:t>
+            </a:r>
+            <a:endParaRPr lang="en-US" altLang="zh-CN" sz="2000" dirty="0">
+              <a:latin typeface="+mn-ea"/>
+            </a:endParaRPr>
+          </a:p>
+          <a:p>
+            <a:r>
+              <a:rPr lang="zh-CN" altLang="en-US" sz="2000" dirty="0">
+                <a:latin typeface="+mn-ea"/>
+              </a:rPr>
+              <a:t>库存报警：</a:t>
+            </a:r>
+            <a:r>
+              <a:rPr lang="en-US" altLang="zh-CN" sz="2000" dirty="0">
+                <a:latin typeface="+mn-ea"/>
+              </a:rPr>
+              <a:t>GOOD </a:t>
+            </a:r>
+            <a:r>
+              <a:rPr lang="en-US" altLang="zh-CN" sz="2000" dirty="0" err="1">
+                <a:latin typeface="+mn-ea"/>
+              </a:rPr>
+              <a:t>supply_alarm</a:t>
+            </a:r>
+            <a:endParaRPr lang="en-US" altLang="zh-CN" sz="2000" dirty="0">
+              <a:latin typeface="+mn-ea"/>
+            </a:endParaRPr>
+          </a:p>
+        </p:txBody>
+      </p:sp>
+      <p:sp>
+        <p:nvSpPr>
+          <p:cNvPr id="8" name="矩形 7">
+            <a:extLst>
+              <a:ext uri="{FF2B5EF4-FFF2-40B4-BE49-F238E27FC236}">
+                <a16:creationId xmlns:a16="http://schemas.microsoft.com/office/drawing/2014/main" id="{7CF61261-0B22-4CB5-A5CE-20729838971D}"/>
+              </a:ext>
+            </a:extLst>
+          </p:cNvPr>
+          <p:cNvSpPr/>
+          <p:nvPr/>
+        </p:nvSpPr>
+        <p:spPr>
+          <a:xfrm>
+            <a:off x="6096000" y="1021780"/>
+            <a:ext cx="3850130" cy="3267986"/>
+          </a:xfrm>
+          <a:prstGeom prst="rect">
+            <a:avLst/>
+          </a:prstGeom>
+          <a:ln>
+            <a:noFill/>
+          </a:ln>
+        </p:spPr>
+        <p:style>
+          <a:lnRef idx="2">
+            <a:schemeClr val="dk1"/>
+          </a:lnRef>
+          <a:fillRef idx="1">
+            <a:schemeClr val="lt1"/>
+          </a:fillRef>
+          <a:effectRef idx="0">
+            <a:schemeClr val="dk1"/>
+          </a:effectRef>
+          <a:fontRef idx="minor">
+            <a:schemeClr val="dk1"/>
+          </a:fontRef>
+        </p:style>
+        <p:txBody>
+          <a:bodyPr rtlCol="0" anchor="ctr"/>
+          <a:lstStyle/>
+          <a:p>
+            <a:r>
+              <a:rPr lang="zh-CN" altLang="en-US" sz="2400" dirty="0">
+                <a:solidFill>
+                  <a:schemeClr val="dk1"/>
+                </a:solidFill>
+                <a:latin typeface="+mn-ea"/>
+              </a:rPr>
+              <a:t>消费者：</a:t>
+            </a:r>
+            <a:endParaRPr lang="en-US" altLang="zh-CN" sz="2400" dirty="0">
+              <a:latin typeface="+mn-ea"/>
+            </a:endParaRPr>
+          </a:p>
+          <a:p>
+            <a:endParaRPr lang="en-US" altLang="zh-CN" sz="2000" dirty="0">
+              <a:solidFill>
+                <a:schemeClr val="dk1"/>
+              </a:solidFill>
+              <a:latin typeface="+mn-ea"/>
+            </a:endParaRPr>
+          </a:p>
+          <a:p>
+            <a:r>
+              <a:rPr lang="zh-CN" altLang="en-US" sz="2000" dirty="0">
+                <a:solidFill>
+                  <a:schemeClr val="dk1"/>
+                </a:solidFill>
+                <a:latin typeface="+mn-ea"/>
+              </a:rPr>
+              <a:t>④商品：</a:t>
+            </a:r>
+            <a:r>
+              <a:rPr lang="en-US" altLang="zh-CN" sz="2000" dirty="0">
+                <a:solidFill>
+                  <a:schemeClr val="dk1"/>
+                </a:solidFill>
+                <a:latin typeface="+mn-ea"/>
+              </a:rPr>
+              <a:t>GOOD </a:t>
+            </a:r>
+            <a:r>
+              <a:rPr lang="en-US" altLang="zh-CN" sz="2000" dirty="0" err="1">
+                <a:solidFill>
+                  <a:schemeClr val="dk1"/>
+                </a:solidFill>
+                <a:latin typeface="+mn-ea"/>
+              </a:rPr>
+              <a:t>good_list</a:t>
+            </a:r>
+            <a:endParaRPr lang="en-US" altLang="zh-CN" sz="2000" dirty="0">
+              <a:solidFill>
+                <a:schemeClr val="dk1"/>
+              </a:solidFill>
+              <a:latin typeface="+mn-ea"/>
+            </a:endParaRPr>
+          </a:p>
+          <a:p>
+            <a:r>
+              <a:rPr lang="zh-CN" altLang="en-US" sz="2000" dirty="0">
+                <a:solidFill>
+                  <a:schemeClr val="dk1"/>
+                </a:solidFill>
+                <a:latin typeface="+mn-ea"/>
+              </a:rPr>
+              <a:t>足迹：</a:t>
+            </a:r>
+            <a:r>
+              <a:rPr lang="en-US" altLang="zh-CN" sz="2000" dirty="0">
+                <a:solidFill>
+                  <a:schemeClr val="dk1"/>
+                </a:solidFill>
+                <a:latin typeface="+mn-ea"/>
+              </a:rPr>
+              <a:t>GOOD foot  </a:t>
+            </a:r>
+          </a:p>
+          <a:p>
+            <a:r>
+              <a:rPr lang="zh-CN" altLang="en-US" sz="2000" dirty="0">
+                <a:solidFill>
+                  <a:schemeClr val="dk1"/>
+                </a:solidFill>
+                <a:latin typeface="+mn-ea"/>
+              </a:rPr>
+              <a:t>⑤</a:t>
+            </a:r>
+            <a:r>
+              <a:rPr lang="zh-CN" altLang="en-US" sz="2000" dirty="0">
+                <a:latin typeface="+mn-ea"/>
+              </a:rPr>
+              <a:t>历史订单：</a:t>
+            </a:r>
+            <a:r>
+              <a:rPr lang="en-US" altLang="zh-CN" sz="2000" dirty="0">
+                <a:solidFill>
+                  <a:schemeClr val="dk1"/>
+                </a:solidFill>
+                <a:latin typeface="+mn-ea"/>
+              </a:rPr>
+              <a:t>GOOD order</a:t>
+            </a:r>
+            <a:endParaRPr lang="zh-CN" altLang="en-US" sz="2000" dirty="0">
+              <a:solidFill>
+                <a:schemeClr val="dk1"/>
+              </a:solidFill>
+              <a:latin typeface="+mn-ea"/>
+            </a:endParaRPr>
+          </a:p>
+        </p:txBody>
+      </p:sp>
+      <p:sp>
+        <p:nvSpPr>
+          <p:cNvPr id="9" name="矩形: 圆角 8">
+            <a:extLst>
+              <a:ext uri="{FF2B5EF4-FFF2-40B4-BE49-F238E27FC236}">
+                <a16:creationId xmlns:a16="http://schemas.microsoft.com/office/drawing/2014/main" id="{BD9B0023-1565-430A-894A-9D1B682175BC}"/>
+              </a:ext>
+            </a:extLst>
+          </p:cNvPr>
+          <p:cNvSpPr/>
+          <p:nvPr/>
+        </p:nvSpPr>
+        <p:spPr>
+          <a:xfrm>
+            <a:off x="685279" y="370844"/>
+            <a:ext cx="1622066" cy="545950"/>
+          </a:xfrm>
+          <a:prstGeom prst="roundRect">
             <a:avLst/>
           </a:prstGeom>
         </p:spPr>
@@ -3969,18 +5463,48 @@
           <a:p>
             <a:pPr algn="ctr"/>
             <a:r>
-              <a:rPr lang="zh-CN" altLang="en-US" dirty="0"/>
-              <a:t>消费者</a:t>
-            </a:r>
-          </a:p>
-        </p:txBody>
-      </p:sp>
-      <p:sp>
-        <p:nvSpPr>
-          <p:cNvPr id="15" name="矩形 14">
+              <a:rPr lang="zh-CN" altLang="en-US" sz="2400" dirty="0"/>
+              <a:t>扩展功能</a:t>
+            </a:r>
+          </a:p>
+        </p:txBody>
+      </p:sp>
+    </p:spTree>
+    <p:extLst>
+      <p:ext uri="{BB962C8B-B14F-4D97-AF65-F5344CB8AC3E}">
+        <p14:creationId xmlns:p14="http://schemas.microsoft.com/office/powerpoint/2010/main" val="2857946559"/>
+      </p:ext>
+    </p:extLst>
+  </p:cSld>
+  <p:clrMapOvr>
+    <a:masterClrMapping/>
+  </p:clrMapOvr>
+</p:sld>
+</file>
+
+<file path=ppt/slides/slide4.xml><?xml version="1.0" encoding="utf-8"?>
+<p:sld xmlns:a="http://schemas.openxmlformats.org/drawingml/2006/main" xmlns:r="http://schemas.openxmlformats.org/officeDocument/2006/relationships" xmlns:p="http://schemas.openxmlformats.org/presentationml/2006/main">
+  <p:cSld>
+    <p:spTree>
+      <p:nvGrpSpPr>
+        <p:cNvPr id="1" name=""/>
+        <p:cNvGrpSpPr/>
+        <p:nvPr/>
+      </p:nvGrpSpPr>
+      <p:grpSpPr>
+        <a:xfrm>
+          <a:off x="0" y="0"/>
+          <a:ext cx="0" cy="0"/>
+          <a:chOff x="0" y="0"/>
+          <a:chExt cx="0" cy="0"/>
+        </a:xfrm>
+      </p:grpSpPr>
+      <p:sp>
+        <p:nvSpPr>
+          <p:cNvPr id="4" name="矩形 3">
             <a:extLst>
               <a:ext uri="{FF2B5EF4-FFF2-40B4-BE49-F238E27FC236}">
-                <a16:creationId xmlns:a16="http://schemas.microsoft.com/office/drawing/2014/main" id="{C223DCEC-4420-4B56-9F33-CFD0F69022C8}"/>
+                <a16:creationId xmlns:a16="http://schemas.microsoft.com/office/drawing/2014/main" id="{74BF3E63-671B-4784-9D70-A54AB1987264}"/>
               </a:ext>
             </a:extLst>
           </p:cNvPr>
@@ -3989,10 +5513,229 @@
         </p:nvSpPr>
         <p:spPr>
           <a:xfrm>
-            <a:off x="1497726" y="2562307"/>
-            <a:ext cx="3031413" cy="2049449"/>
+            <a:off x="9674807" y="1053322"/>
+            <a:ext cx="1844702" cy="3077155"/>
           </a:xfrm>
           <a:prstGeom prst="rect">
+            <a:avLst/>
+          </a:prstGeom>
+          <a:ln>
+            <a:noFill/>
+          </a:ln>
+        </p:spPr>
+        <p:style>
+          <a:lnRef idx="2">
+            <a:schemeClr val="dk1"/>
+          </a:lnRef>
+          <a:fillRef idx="1">
+            <a:schemeClr val="lt1"/>
+          </a:fillRef>
+          <a:effectRef idx="0">
+            <a:schemeClr val="dk1"/>
+          </a:effectRef>
+          <a:fontRef idx="minor">
+            <a:schemeClr val="dk1"/>
+          </a:fontRef>
+        </p:style>
+        <p:txBody>
+          <a:bodyPr rtlCol="0" anchor="ctr"/>
+          <a:lstStyle/>
+          <a:p>
+            <a:r>
+              <a:rPr lang="zh-CN" altLang="en-US" sz="2000" dirty="0"/>
+              <a:t>商品：</a:t>
+            </a:r>
+            <a:endParaRPr lang="en-US" altLang="zh-CN" sz="2000" dirty="0"/>
+          </a:p>
+          <a:p>
+            <a:endParaRPr lang="en-US" altLang="zh-CN" sz="2000" dirty="0"/>
+          </a:p>
+          <a:p>
+            <a:r>
+              <a:rPr lang="en-US" altLang="zh-CN" dirty="0"/>
+              <a:t>struct GOOD {</a:t>
+            </a:r>
+          </a:p>
+          <a:p>
+            <a:r>
+              <a:rPr lang="en-US" altLang="zh-CN" dirty="0"/>
+              <a:t>string ID;</a:t>
+            </a:r>
+          </a:p>
+          <a:p>
+            <a:r>
+              <a:rPr lang="en-US" altLang="zh-CN" dirty="0"/>
+              <a:t>string name;</a:t>
+            </a:r>
+          </a:p>
+          <a:p>
+            <a:r>
+              <a:rPr lang="en-US" altLang="zh-CN" dirty="0"/>
+              <a:t>string brand;</a:t>
+            </a:r>
+          </a:p>
+          <a:p>
+            <a:r>
+              <a:rPr lang="en-US" altLang="zh-CN" dirty="0"/>
+              <a:t>double price;</a:t>
+            </a:r>
+          </a:p>
+          <a:p>
+            <a:r>
+              <a:rPr lang="en-US" altLang="zh-CN" dirty="0"/>
+              <a:t>int num;</a:t>
+            </a:r>
+          </a:p>
+          <a:p>
+            <a:r>
+              <a:rPr lang="en-US" altLang="zh-CN" dirty="0"/>
+              <a:t>GOOD* next;</a:t>
+            </a:r>
+          </a:p>
+          <a:p>
+            <a:r>
+              <a:rPr lang="en-US" altLang="zh-CN" dirty="0"/>
+              <a:t>};</a:t>
+            </a:r>
+            <a:endParaRPr lang="zh-CN" altLang="en-US" dirty="0"/>
+          </a:p>
+        </p:txBody>
+      </p:sp>
+      <p:sp>
+        <p:nvSpPr>
+          <p:cNvPr id="5" name="矩形 4">
+            <a:extLst>
+              <a:ext uri="{FF2B5EF4-FFF2-40B4-BE49-F238E27FC236}">
+                <a16:creationId xmlns:a16="http://schemas.microsoft.com/office/drawing/2014/main" id="{406860BF-6559-46EB-BF6B-95AEB80455C9}"/>
+              </a:ext>
+            </a:extLst>
+          </p:cNvPr>
+          <p:cNvSpPr/>
+          <p:nvPr/>
+        </p:nvSpPr>
+        <p:spPr>
+          <a:xfrm>
+            <a:off x="764024" y="1769599"/>
+            <a:ext cx="1748357" cy="1733384"/>
+          </a:xfrm>
+          <a:prstGeom prst="rect">
+            <a:avLst/>
+          </a:prstGeom>
+          <a:noFill/>
+          <a:ln>
+            <a:noFill/>
+          </a:ln>
+        </p:spPr>
+        <p:style>
+          <a:lnRef idx="2">
+            <a:schemeClr val="dk1"/>
+          </a:lnRef>
+          <a:fillRef idx="1">
+            <a:schemeClr val="lt1"/>
+          </a:fillRef>
+          <a:effectRef idx="0">
+            <a:schemeClr val="dk1"/>
+          </a:effectRef>
+          <a:fontRef idx="minor">
+            <a:schemeClr val="dk1"/>
+          </a:fontRef>
+        </p:style>
+        <p:txBody>
+          <a:bodyPr rtlCol="0" anchor="ctr"/>
+          <a:lstStyle/>
+          <a:p>
+            <a:r>
+              <a:rPr lang="zh-CN" altLang="en-US" sz="2000" dirty="0">
+                <a:latin typeface="+mn-ea"/>
+              </a:rPr>
+              <a:t>管理员类</a:t>
+            </a:r>
+            <a:r>
+              <a:rPr lang="zh-CN" altLang="en-US" sz="2400" dirty="0"/>
+              <a:t>：</a:t>
+            </a:r>
+            <a:endParaRPr lang="en-US" altLang="zh-CN" sz="2400" dirty="0"/>
+          </a:p>
+          <a:p>
+            <a:endParaRPr lang="en-US" altLang="zh-CN" sz="2400" dirty="0"/>
+          </a:p>
+          <a:p>
+            <a:r>
+              <a:rPr lang="en-US" altLang="zh-CN" dirty="0"/>
+              <a:t>class admin{</a:t>
+            </a:r>
+          </a:p>
+          <a:p>
+            <a:r>
+              <a:rPr lang="en-US" altLang="zh-CN" dirty="0"/>
+              <a:t>private:</a:t>
+            </a:r>
+          </a:p>
+          <a:p>
+            <a:r>
+              <a:rPr lang="en-US" altLang="zh-CN" dirty="0"/>
+              <a:t>Struct GOOD;</a:t>
+            </a:r>
+          </a:p>
+          <a:p>
+            <a:r>
+              <a:rPr lang="en-US" altLang="zh-CN" dirty="0"/>
+              <a:t>Struct user;</a:t>
+            </a:r>
+          </a:p>
+          <a:p>
+            <a:r>
+              <a:rPr lang="en-US" altLang="zh-CN" dirty="0" err="1"/>
+              <a:t>public:admin</a:t>
+            </a:r>
+            <a:r>
+              <a:rPr lang="en-US" altLang="zh-CN" dirty="0"/>
+              <a:t>();</a:t>
+            </a:r>
+          </a:p>
+          <a:p>
+            <a:r>
+              <a:rPr lang="en-US" altLang="zh-CN" dirty="0"/>
+              <a:t>   ~admin();</a:t>
+            </a:r>
+          </a:p>
+          <a:p>
+            <a:r>
+              <a:rPr lang="zh-CN" altLang="en-US" dirty="0"/>
+              <a:t>  </a:t>
+            </a:r>
+            <a:r>
+              <a:rPr lang="en-US" altLang="zh-CN" dirty="0"/>
+              <a:t>...</a:t>
+            </a:r>
+          </a:p>
+          <a:p>
+            <a:r>
+              <a:rPr lang="en-US" altLang="zh-CN" dirty="0"/>
+              <a:t>};</a:t>
+            </a:r>
+            <a:endParaRPr lang="zh-CN" altLang="en-US" dirty="0"/>
+          </a:p>
+        </p:txBody>
+      </p:sp>
+      <p:sp>
+        <p:nvSpPr>
+          <p:cNvPr id="6" name="矩形: 圆角 5">
+            <a:extLst>
+              <a:ext uri="{FF2B5EF4-FFF2-40B4-BE49-F238E27FC236}">
+                <a16:creationId xmlns:a16="http://schemas.microsoft.com/office/drawing/2014/main" id="{9D1C48C5-5912-4D8E-AD3B-CF716B6EEF19}"/>
+              </a:ext>
+            </a:extLst>
+          </p:cNvPr>
+          <p:cNvSpPr/>
+          <p:nvPr/>
+        </p:nvSpPr>
+        <p:spPr>
+          <a:xfrm>
+            <a:off x="764024" y="406359"/>
+            <a:ext cx="1622066" cy="545950"/>
+          </a:xfrm>
+          <a:prstGeom prst="roundRect">
             <a:avLst/>
           </a:prstGeom>
         </p:spPr>
@@ -4016,64 +5759,20 @@
           <a:bodyPr rtlCol="0" anchor="ctr"/>
           <a:lstStyle/>
           <a:p>
-            <a:r>
-              <a:rPr lang="zh-CN" altLang="en-US" dirty="0"/>
-              <a:t>功能</a:t>
-            </a:r>
-            <a:r>
-              <a:rPr lang="en-US" altLang="zh-CN" dirty="0"/>
-              <a:t>:</a:t>
-            </a:r>
-          </a:p>
-          <a:p>
-            <a:r>
-              <a:rPr lang="zh-CN" altLang="en-US" dirty="0"/>
-              <a:t>注销登录</a:t>
-            </a:r>
-            <a:endParaRPr lang="en-US" altLang="zh-CN" dirty="0"/>
-          </a:p>
-          <a:p>
-            <a:r>
-              <a:rPr lang="zh-CN" altLang="en-US" dirty="0"/>
-              <a:t>查询商品</a:t>
-            </a:r>
-            <a:endParaRPr lang="en-US" altLang="zh-CN" dirty="0"/>
-          </a:p>
-          <a:p>
-            <a:r>
-              <a:rPr lang="zh-CN" altLang="en-US" dirty="0"/>
-              <a:t>增加商品</a:t>
-            </a:r>
-            <a:endParaRPr lang="en-US" altLang="zh-CN" dirty="0"/>
-          </a:p>
-          <a:p>
-            <a:r>
-              <a:rPr lang="zh-CN" altLang="en-US" dirty="0"/>
-              <a:t>删除商品</a:t>
-            </a:r>
-            <a:endParaRPr lang="en-US" altLang="zh-CN" dirty="0"/>
-          </a:p>
-          <a:p>
-            <a:r>
-              <a:rPr lang="zh-CN" altLang="en-US" dirty="0"/>
-              <a:t>修改商品数量</a:t>
-            </a:r>
-            <a:endParaRPr lang="en-US" altLang="zh-CN" dirty="0"/>
-          </a:p>
-          <a:p>
-            <a:r>
-              <a:rPr lang="zh-CN" altLang="en-US" dirty="0"/>
-              <a:t>售货清单</a:t>
-            </a:r>
-          </a:p>
-        </p:txBody>
-      </p:sp>
-      <p:sp>
-        <p:nvSpPr>
-          <p:cNvPr id="16" name="矩形 15">
+            <a:pPr algn="ctr"/>
+            <a:r>
+              <a:rPr lang="zh-CN" altLang="en-US" sz="2400" dirty="0"/>
+              <a:t>数据结构</a:t>
+            </a:r>
+          </a:p>
+        </p:txBody>
+      </p:sp>
+      <p:sp>
+        <p:nvSpPr>
+          <p:cNvPr id="7" name="矩形 6">
             <a:extLst>
               <a:ext uri="{FF2B5EF4-FFF2-40B4-BE49-F238E27FC236}">
-                <a16:creationId xmlns:a16="http://schemas.microsoft.com/office/drawing/2014/main" id="{3C86BBA1-498C-4C03-BB66-08AE740B6E49}"/>
+                <a16:creationId xmlns:a16="http://schemas.microsoft.com/office/drawing/2014/main" id="{5C023B03-18DD-4CAF-967A-5C395AF3C545}"/>
               </a:ext>
             </a:extLst>
           </p:cNvPr>
@@ -4082,10 +5781,261 @@
         </p:nvSpPr>
         <p:spPr>
           <a:xfrm>
-            <a:off x="6504166" y="2504661"/>
-            <a:ext cx="2727298" cy="2449002"/>
+            <a:off x="3926892" y="1138838"/>
+            <a:ext cx="2349624" cy="2923877"/>
           </a:xfrm>
           <a:prstGeom prst="rect">
+            <a:avLst/>
+          </a:prstGeom>
+        </p:spPr>
+        <p:txBody>
+          <a:bodyPr wrap="square">
+            <a:spAutoFit/>
+          </a:bodyPr>
+          <a:lstStyle/>
+          <a:p>
+            <a:r>
+              <a:rPr lang="zh-CN" altLang="en-US" sz="2000" dirty="0">
+                <a:latin typeface="新宋体" panose="02010609030101010101" pitchFamily="49" charset="-122"/>
+                <a:ea typeface="新宋体" panose="02010609030101010101" pitchFamily="49" charset="-122"/>
+              </a:rPr>
+              <a:t>消费者类：</a:t>
+            </a:r>
+            <a:endParaRPr lang="en-US" altLang="zh-CN" sz="2000" dirty="0">
+              <a:latin typeface="新宋体" panose="02010609030101010101" pitchFamily="49" charset="-122"/>
+              <a:ea typeface="新宋体" panose="02010609030101010101" pitchFamily="49" charset="-122"/>
+            </a:endParaRPr>
+          </a:p>
+          <a:p>
+            <a:endParaRPr lang="en-US" altLang="zh-CN" sz="2000" dirty="0">
+              <a:latin typeface="新宋体" panose="02010609030101010101" pitchFamily="49" charset="-122"/>
+              <a:ea typeface="新宋体" panose="02010609030101010101" pitchFamily="49" charset="-122"/>
+            </a:endParaRPr>
+          </a:p>
+          <a:p>
+            <a:r>
+              <a:rPr lang="en-US" altLang="zh-CN" dirty="0">
+                <a:solidFill>
+                  <a:schemeClr val="dk1"/>
+                </a:solidFill>
+              </a:rPr>
+              <a:t>class consumer{</a:t>
+            </a:r>
+          </a:p>
+          <a:p>
+            <a:r>
+              <a:rPr lang="en-US" altLang="zh-CN" dirty="0">
+                <a:solidFill>
+                  <a:schemeClr val="dk1"/>
+                </a:solidFill>
+              </a:rPr>
+              <a:t>private:</a:t>
+            </a:r>
+          </a:p>
+          <a:p>
+            <a:r>
+              <a:rPr lang="en-US" altLang="zh-CN" dirty="0">
+                <a:solidFill>
+                  <a:schemeClr val="dk1"/>
+                </a:solidFill>
+              </a:rPr>
+              <a:t>Struct GOOD;</a:t>
+            </a:r>
+          </a:p>
+          <a:p>
+            <a:r>
+              <a:rPr lang="en-US" altLang="zh-CN" dirty="0">
+                <a:solidFill>
+                  <a:schemeClr val="dk1"/>
+                </a:solidFill>
+              </a:rPr>
+              <a:t>Struct user;</a:t>
+            </a:r>
+          </a:p>
+          <a:p>
+            <a:r>
+              <a:rPr lang="en-US" altLang="zh-CN" dirty="0" err="1">
+                <a:solidFill>
+                  <a:schemeClr val="dk1"/>
+                </a:solidFill>
+              </a:rPr>
+              <a:t>public:consumer</a:t>
+            </a:r>
+            <a:r>
+              <a:rPr lang="en-US" altLang="zh-CN" dirty="0">
+                <a:solidFill>
+                  <a:schemeClr val="dk1"/>
+                </a:solidFill>
+              </a:rPr>
+              <a:t>();</a:t>
+            </a:r>
+          </a:p>
+          <a:p>
+            <a:r>
+              <a:rPr lang="en-US" altLang="zh-CN" dirty="0">
+                <a:solidFill>
+                  <a:schemeClr val="dk1"/>
+                </a:solidFill>
+              </a:rPr>
+              <a:t>   ~consumer();</a:t>
+            </a:r>
+          </a:p>
+          <a:p>
+            <a:r>
+              <a:rPr lang="zh-CN" altLang="en-US" dirty="0">
+                <a:solidFill>
+                  <a:schemeClr val="dk1"/>
+                </a:solidFill>
+              </a:rPr>
+              <a:t>   </a:t>
+            </a:r>
+            <a:r>
+              <a:rPr lang="en-US" altLang="zh-CN" dirty="0">
+                <a:solidFill>
+                  <a:schemeClr val="dk1"/>
+                </a:solidFill>
+              </a:rPr>
+              <a:t>...</a:t>
+            </a:r>
+          </a:p>
+          <a:p>
+            <a:r>
+              <a:rPr lang="en-US" altLang="zh-CN" dirty="0">
+                <a:solidFill>
+                  <a:schemeClr val="dk1"/>
+                </a:solidFill>
+              </a:rPr>
+              <a:t>};</a:t>
+            </a:r>
+            <a:endParaRPr lang="zh-CN" altLang="en-US" dirty="0">
+              <a:solidFill>
+                <a:schemeClr val="dk1"/>
+              </a:solidFill>
+            </a:endParaRPr>
+          </a:p>
+        </p:txBody>
+      </p:sp>
+      <p:sp>
+        <p:nvSpPr>
+          <p:cNvPr id="8" name="矩形 7">
+            <a:extLst>
+              <a:ext uri="{FF2B5EF4-FFF2-40B4-BE49-F238E27FC236}">
+                <a16:creationId xmlns:a16="http://schemas.microsoft.com/office/drawing/2014/main" id="{B5103CAE-F01D-4250-8979-CA27CCB6DC32}"/>
+              </a:ext>
+            </a:extLst>
+          </p:cNvPr>
+          <p:cNvSpPr/>
+          <p:nvPr/>
+        </p:nvSpPr>
+        <p:spPr>
+          <a:xfrm>
+            <a:off x="7098074" y="1138837"/>
+            <a:ext cx="1844702" cy="2062103"/>
+          </a:xfrm>
+          <a:prstGeom prst="rect">
+            <a:avLst/>
+          </a:prstGeom>
+        </p:spPr>
+        <p:txBody>
+          <a:bodyPr wrap="square">
+            <a:spAutoFit/>
+          </a:bodyPr>
+          <a:lstStyle/>
+          <a:p>
+            <a:r>
+              <a:rPr lang="zh-CN" altLang="en-US" sz="2000" dirty="0"/>
+              <a:t>用户</a:t>
+            </a:r>
+            <a:r>
+              <a:rPr lang="zh-CN" altLang="en-US" dirty="0"/>
+              <a:t>：</a:t>
+            </a:r>
+            <a:endParaRPr lang="en-US" altLang="zh-CN" dirty="0"/>
+          </a:p>
+          <a:p>
+            <a:endParaRPr lang="en-US" altLang="zh-CN" dirty="0"/>
+          </a:p>
+          <a:p>
+            <a:r>
+              <a:rPr lang="en-US" altLang="zh-CN" dirty="0"/>
+              <a:t>Struct user{</a:t>
+            </a:r>
+          </a:p>
+          <a:p>
+            <a:r>
+              <a:rPr lang="en-US" altLang="zh-CN" dirty="0"/>
+              <a:t>String ID;</a:t>
+            </a:r>
+          </a:p>
+          <a:p>
+            <a:r>
+              <a:rPr lang="en-US" altLang="zh-CN" dirty="0"/>
+              <a:t>String password;</a:t>
+            </a:r>
+          </a:p>
+          <a:p>
+            <a:r>
+              <a:rPr lang="en-US" altLang="zh-CN" dirty="0"/>
+              <a:t>String* next;</a:t>
+            </a:r>
+          </a:p>
+          <a:p>
+            <a:r>
+              <a:rPr lang="en-US" altLang="zh-CN" dirty="0"/>
+              <a:t>}</a:t>
+            </a:r>
+            <a:endParaRPr lang="zh-CN" altLang="en-US" dirty="0"/>
+          </a:p>
+        </p:txBody>
+      </p:sp>
+    </p:spTree>
+    <p:extLst>
+      <p:ext uri="{BB962C8B-B14F-4D97-AF65-F5344CB8AC3E}">
+        <p14:creationId xmlns:p14="http://schemas.microsoft.com/office/powerpoint/2010/main" val="3032954554"/>
+      </p:ext>
+    </p:extLst>
+  </p:cSld>
+  <p:clrMapOvr>
+    <a:masterClrMapping/>
+  </p:clrMapOvr>
+</p:sld>
+</file>
+
+<file path=ppt/slides/slide5.xml><?xml version="1.0" encoding="utf-8"?>
+<p:sld xmlns:a="http://schemas.openxmlformats.org/drawingml/2006/main" xmlns:r="http://schemas.openxmlformats.org/officeDocument/2006/relationships" xmlns:p="http://schemas.openxmlformats.org/presentationml/2006/main">
+  <p:cSld>
+    <p:spTree>
+      <p:nvGrpSpPr>
+        <p:cNvPr id="1" name=""/>
+        <p:cNvGrpSpPr/>
+        <p:nvPr/>
+      </p:nvGrpSpPr>
+      <p:grpSpPr>
+        <a:xfrm>
+          <a:off x="0" y="0"/>
+          <a:ext cx="0" cy="0"/>
+          <a:chOff x="0" y="0"/>
+          <a:chExt cx="0" cy="0"/>
+        </a:xfrm>
+      </p:grpSpPr>
+      <p:sp>
+        <p:nvSpPr>
+          <p:cNvPr id="4" name="矩形: 圆角 3">
+            <a:extLst>
+              <a:ext uri="{FF2B5EF4-FFF2-40B4-BE49-F238E27FC236}">
+                <a16:creationId xmlns:a16="http://schemas.microsoft.com/office/drawing/2014/main" id="{56076A60-C077-4B4A-A621-6490F2E31B53}"/>
+              </a:ext>
+            </a:extLst>
+          </p:cNvPr>
+          <p:cNvSpPr/>
+          <p:nvPr/>
+        </p:nvSpPr>
+        <p:spPr>
+          <a:xfrm>
+            <a:off x="630317" y="397477"/>
+            <a:ext cx="1622066" cy="545950"/>
+          </a:xfrm>
+          <a:prstGeom prst="roundRect">
             <a:avLst/>
           </a:prstGeom>
         </p:spPr>
@@ -4109,70 +6059,2045 @@
           <a:bodyPr rtlCol="0" anchor="ctr"/>
           <a:lstStyle/>
           <a:p>
-            <a:r>
-              <a:rPr lang="zh-CN" altLang="en-US" dirty="0"/>
-              <a:t>功能：</a:t>
-            </a:r>
-            <a:endParaRPr lang="en-US" altLang="zh-CN" dirty="0"/>
-          </a:p>
-          <a:p>
-            <a:r>
-              <a:rPr lang="zh-CN" altLang="en-US" dirty="0"/>
-              <a:t>注销登录</a:t>
-            </a:r>
-            <a:endParaRPr lang="en-US" altLang="zh-CN" dirty="0"/>
-          </a:p>
-          <a:p>
-            <a:r>
-              <a:rPr lang="zh-CN" altLang="en-US" dirty="0"/>
-              <a:t>查看商品</a:t>
-            </a:r>
-            <a:endParaRPr lang="en-US" altLang="zh-CN" dirty="0"/>
-          </a:p>
-          <a:p>
-            <a:r>
-              <a:rPr lang="zh-CN" altLang="en-US" dirty="0"/>
-              <a:t>商品搜索</a:t>
-            </a:r>
-            <a:endParaRPr lang="en-US" altLang="zh-CN" dirty="0"/>
-          </a:p>
-          <a:p>
-            <a:r>
-              <a:rPr lang="zh-CN" altLang="en-US" dirty="0"/>
-              <a:t>添加商品至购物车</a:t>
-            </a:r>
-            <a:endParaRPr lang="en-US" altLang="zh-CN" dirty="0"/>
-          </a:p>
-          <a:p>
-            <a:r>
-              <a:rPr lang="zh-CN" altLang="en-US" dirty="0"/>
-              <a:t>删除购物车商品</a:t>
-            </a:r>
-            <a:endParaRPr lang="en-US" altLang="zh-CN" dirty="0"/>
-          </a:p>
-          <a:p>
-            <a:r>
-              <a:rPr lang="zh-CN" altLang="en-US" dirty="0"/>
-              <a:t>查看购物车</a:t>
-            </a:r>
-            <a:endParaRPr lang="en-US" altLang="zh-CN" dirty="0"/>
-          </a:p>
-          <a:p>
-            <a:r>
-              <a:rPr lang="zh-CN" altLang="en-US" dirty="0"/>
-              <a:t>结账</a:t>
-            </a:r>
-            <a:endParaRPr lang="en-US" altLang="zh-CN" dirty="0"/>
-          </a:p>
-          <a:p>
-            <a:endParaRPr lang="zh-CN" altLang="en-US" dirty="0"/>
+            <a:pPr algn="ctr"/>
+            <a:r>
+              <a:rPr lang="zh-CN" altLang="en-US" sz="2400" dirty="0"/>
+              <a:t>文件读取</a:t>
+            </a:r>
+            <a:endParaRPr lang="en-US" altLang="zh-CN" sz="2400" dirty="0"/>
+          </a:p>
+        </p:txBody>
+      </p:sp>
+      <p:sp>
+        <p:nvSpPr>
+          <p:cNvPr id="5" name="矩形 4">
+            <a:extLst>
+              <a:ext uri="{FF2B5EF4-FFF2-40B4-BE49-F238E27FC236}">
+                <a16:creationId xmlns:a16="http://schemas.microsoft.com/office/drawing/2014/main" id="{722309AF-0DB8-46EA-9D9A-A3D20284E2EE}"/>
+              </a:ext>
+            </a:extLst>
+          </p:cNvPr>
+          <p:cNvSpPr/>
+          <p:nvPr/>
+        </p:nvSpPr>
+        <p:spPr>
+          <a:xfrm>
+            <a:off x="532344" y="1284238"/>
+            <a:ext cx="7463575" cy="2554545"/>
+          </a:xfrm>
+          <a:prstGeom prst="rect">
+            <a:avLst/>
+          </a:prstGeom>
+        </p:spPr>
+        <p:txBody>
+          <a:bodyPr wrap="square">
+            <a:spAutoFit/>
+          </a:bodyPr>
+          <a:lstStyle/>
+          <a:p>
+            <a:r>
+              <a:rPr lang="zh-CN" altLang="en-US" sz="2000" dirty="0"/>
+              <a:t>①库存</a:t>
+            </a:r>
+            <a:r>
+              <a:rPr lang="en-US" altLang="zh-CN" sz="2000" dirty="0"/>
+              <a:t>.txt:</a:t>
+            </a:r>
+          </a:p>
+          <a:p>
+            <a:r>
+              <a:rPr lang="en-US" altLang="zh-CN" sz="2000" dirty="0"/>
+              <a:t>	</a:t>
+            </a:r>
+            <a:r>
+              <a:rPr lang="zh-CN" altLang="en-US" sz="2000" dirty="0"/>
+              <a:t>读入并储存到</a:t>
+            </a:r>
+            <a:r>
+              <a:rPr lang="en-US" altLang="zh-CN" sz="2000" dirty="0"/>
+              <a:t>class Goods</a:t>
+            </a:r>
+            <a:r>
+              <a:rPr lang="zh-CN" altLang="en-US" sz="2000" dirty="0"/>
+              <a:t>中定义的</a:t>
+            </a:r>
+            <a:r>
+              <a:rPr lang="en-US" altLang="zh-CN" sz="2000" dirty="0"/>
+              <a:t>vector&lt;</a:t>
+            </a:r>
+            <a:r>
+              <a:rPr lang="en-US" altLang="zh-CN" sz="2000" dirty="0" err="1"/>
+              <a:t>GoodsList</a:t>
+            </a:r>
+            <a:r>
+              <a:rPr lang="en-US" altLang="zh-CN" sz="2000" dirty="0"/>
+              <a:t>&gt; goods</a:t>
+            </a:r>
+          </a:p>
+          <a:p>
+            <a:r>
+              <a:rPr lang="zh-CN" altLang="en-US" sz="2000" dirty="0"/>
+              <a:t>②已售清单</a:t>
+            </a:r>
+            <a:r>
+              <a:rPr lang="en-US" altLang="zh-CN" sz="2000" dirty="0"/>
+              <a:t>.txt:</a:t>
+            </a:r>
+          </a:p>
+          <a:p>
+            <a:r>
+              <a:rPr lang="en-US" altLang="zh-CN" sz="2000" dirty="0"/>
+              <a:t>	</a:t>
+            </a:r>
+            <a:r>
+              <a:rPr lang="zh-CN" altLang="en-US" sz="2000" dirty="0"/>
+              <a:t>读入</a:t>
+            </a:r>
+            <a:r>
+              <a:rPr lang="en-US" altLang="zh-CN" sz="2000" dirty="0"/>
+              <a:t>class Goods</a:t>
+            </a:r>
+            <a:r>
+              <a:rPr lang="zh-CN" altLang="en-US" sz="2000" dirty="0"/>
+              <a:t>中定义的</a:t>
+            </a:r>
+            <a:r>
+              <a:rPr lang="en-US" altLang="zh-CN" sz="2000" dirty="0"/>
+              <a:t>vector&lt;</a:t>
+            </a:r>
+            <a:r>
+              <a:rPr lang="en-US" altLang="zh-CN" sz="2000" dirty="0" err="1"/>
+              <a:t>GoodsList</a:t>
+            </a:r>
+            <a:r>
+              <a:rPr lang="en-US" altLang="zh-CN" sz="2000" dirty="0"/>
+              <a:t>&gt;</a:t>
+            </a:r>
+            <a:r>
+              <a:rPr lang="en-US" altLang="zh-CN" sz="2000" dirty="0" err="1"/>
+              <a:t>sellList</a:t>
+            </a:r>
+            <a:endParaRPr lang="en-US" altLang="zh-CN" sz="2000" dirty="0"/>
+          </a:p>
+          <a:p>
+            <a:r>
+              <a:rPr lang="zh-CN" altLang="en-US" sz="2000" dirty="0"/>
+              <a:t>③用户</a:t>
+            </a:r>
+            <a:r>
+              <a:rPr lang="en-US" altLang="zh-CN" sz="2000" dirty="0"/>
+              <a:t>.txt:</a:t>
+            </a:r>
+          </a:p>
+          <a:p>
+            <a:r>
+              <a:rPr lang="en-US" altLang="zh-CN" sz="2000" dirty="0"/>
+              <a:t>	</a:t>
+            </a:r>
+            <a:r>
+              <a:rPr lang="zh-CN" altLang="en-US" sz="2000" dirty="0"/>
+              <a:t>读入</a:t>
+            </a:r>
+            <a:r>
+              <a:rPr lang="en-US" altLang="zh-CN" sz="2000" dirty="0"/>
+              <a:t>class Customer</a:t>
+            </a:r>
+            <a:r>
+              <a:rPr lang="zh-CN" altLang="en-US" sz="2000" dirty="0"/>
+              <a:t>中定义的</a:t>
+            </a:r>
+            <a:r>
+              <a:rPr lang="en-US" altLang="zh-CN" sz="2000" dirty="0"/>
+              <a:t>vector&lt;User&gt;</a:t>
+            </a:r>
+            <a:r>
+              <a:rPr lang="en-US" altLang="zh-CN" sz="2000" dirty="0" err="1"/>
+              <a:t>userList</a:t>
+            </a:r>
+            <a:endParaRPr lang="en-US" altLang="zh-CN" sz="2000" dirty="0"/>
+          </a:p>
+          <a:p>
+            <a:r>
+              <a:rPr lang="zh-CN" altLang="en-US" sz="2000" dirty="0"/>
+              <a:t>④用户购物信息</a:t>
+            </a:r>
+            <a:r>
+              <a:rPr lang="en-US" altLang="zh-CN" sz="2000" dirty="0"/>
+              <a:t>user.txt:</a:t>
+            </a:r>
+          </a:p>
+          <a:p>
+            <a:r>
+              <a:rPr lang="en-US" altLang="zh-CN" sz="2000" dirty="0"/>
+              <a:t>	</a:t>
+            </a:r>
+            <a:r>
+              <a:rPr lang="zh-CN" altLang="en-US" sz="2000" dirty="0"/>
+              <a:t> 读入</a:t>
+            </a:r>
+            <a:r>
+              <a:rPr lang="en-US" altLang="zh-CN" sz="2000" dirty="0"/>
+              <a:t>class Goods </a:t>
+            </a:r>
+            <a:r>
+              <a:rPr lang="zh-CN" altLang="en-US" sz="2000" dirty="0"/>
+              <a:t>中定义的</a:t>
+            </a:r>
+            <a:r>
+              <a:rPr lang="en-US" altLang="zh-CN" sz="2000" dirty="0"/>
+              <a:t>vector&lt;</a:t>
+            </a:r>
+            <a:r>
+              <a:rPr lang="en-US" altLang="zh-CN" sz="2000" dirty="0" err="1"/>
+              <a:t>GoodsList</a:t>
+            </a:r>
+            <a:r>
+              <a:rPr lang="en-US" altLang="zh-CN" sz="2000" dirty="0"/>
+              <a:t>&gt;cart</a:t>
+            </a:r>
+            <a:r>
+              <a:rPr lang="zh-CN" altLang="en-US" sz="2000" dirty="0"/>
+              <a:t> （批量读取）</a:t>
+            </a:r>
+            <a:endParaRPr lang="en-US" altLang="zh-CN" sz="2000" dirty="0"/>
           </a:p>
         </p:txBody>
       </p:sp>
     </p:spTree>
     <p:extLst>
       <p:ext uri="{BB962C8B-B14F-4D97-AF65-F5344CB8AC3E}">
-        <p14:creationId xmlns:p14="http://schemas.microsoft.com/office/powerpoint/2010/main" val="616201617"/>
+        <p14:creationId xmlns:p14="http://schemas.microsoft.com/office/powerpoint/2010/main" val="1220125505"/>
+      </p:ext>
+    </p:extLst>
+  </p:cSld>
+  <p:clrMapOvr>
+    <a:masterClrMapping/>
+  </p:clrMapOvr>
+</p:sld>
+</file>
+
+<file path=ppt/slides/slide6.xml><?xml version="1.0" encoding="utf-8"?>
+<p:sld xmlns:a="http://schemas.openxmlformats.org/drawingml/2006/main" xmlns:r="http://schemas.openxmlformats.org/officeDocument/2006/relationships" xmlns:p="http://schemas.openxmlformats.org/presentationml/2006/main">
+  <p:cSld>
+    <p:spTree>
+      <p:nvGrpSpPr>
+        <p:cNvPr id="1" name=""/>
+        <p:cNvGrpSpPr/>
+        <p:nvPr/>
+      </p:nvGrpSpPr>
+      <p:grpSpPr>
+        <a:xfrm>
+          <a:off x="0" y="0"/>
+          <a:ext cx="0" cy="0"/>
+          <a:chOff x="0" y="0"/>
+          <a:chExt cx="0" cy="0"/>
+        </a:xfrm>
+      </p:grpSpPr>
+      <p:sp>
+        <p:nvSpPr>
+          <p:cNvPr id="2" name="矩形: 圆角 1">
+            <a:extLst>
+              <a:ext uri="{FF2B5EF4-FFF2-40B4-BE49-F238E27FC236}">
+                <a16:creationId xmlns:a16="http://schemas.microsoft.com/office/drawing/2014/main" id="{A487C34E-B703-4428-8B1C-4F40A6DB14D0}"/>
+              </a:ext>
+            </a:extLst>
+          </p:cNvPr>
+          <p:cNvSpPr/>
+          <p:nvPr/>
+        </p:nvSpPr>
+        <p:spPr>
+          <a:xfrm>
+            <a:off x="630317" y="397477"/>
+            <a:ext cx="1622066" cy="545950"/>
+          </a:xfrm>
+          <a:prstGeom prst="roundRect">
+            <a:avLst/>
+          </a:prstGeom>
+        </p:spPr>
+        <p:style>
+          <a:lnRef idx="2">
+            <a:schemeClr val="accent1">
+              <a:shade val="50000"/>
+            </a:schemeClr>
+          </a:lnRef>
+          <a:fillRef idx="1">
+            <a:schemeClr val="accent1"/>
+          </a:fillRef>
+          <a:effectRef idx="0">
+            <a:schemeClr val="accent1"/>
+          </a:effectRef>
+          <a:fontRef idx="minor">
+            <a:schemeClr val="lt1"/>
+          </a:fontRef>
+        </p:style>
+        <p:txBody>
+          <a:bodyPr rtlCol="0" anchor="ctr"/>
+          <a:lstStyle/>
+          <a:p>
+            <a:pPr algn="ctr"/>
+            <a:r>
+              <a:rPr lang="zh-CN" altLang="en-US" sz="2400" dirty="0"/>
+              <a:t>模块设计</a:t>
+            </a:r>
+            <a:endParaRPr lang="en-US" altLang="zh-CN" sz="2400" dirty="0"/>
+          </a:p>
+        </p:txBody>
+      </p:sp>
+      <p:sp>
+        <p:nvSpPr>
+          <p:cNvPr id="4" name="矩形 3">
+            <a:extLst>
+              <a:ext uri="{FF2B5EF4-FFF2-40B4-BE49-F238E27FC236}">
+                <a16:creationId xmlns:a16="http://schemas.microsoft.com/office/drawing/2014/main" id="{78A787A0-0B58-4F3D-A79C-872929EFAAE5}"/>
+              </a:ext>
+            </a:extLst>
+          </p:cNvPr>
+          <p:cNvSpPr/>
+          <p:nvPr/>
+        </p:nvSpPr>
+        <p:spPr>
+          <a:xfrm>
+            <a:off x="548640" y="1133684"/>
+            <a:ext cx="6096000" cy="5078313"/>
+          </a:xfrm>
+          <a:prstGeom prst="rect">
+            <a:avLst/>
+          </a:prstGeom>
+        </p:spPr>
+        <p:txBody>
+          <a:bodyPr>
+            <a:spAutoFit/>
+          </a:bodyPr>
+          <a:lstStyle/>
+          <a:p>
+            <a:r>
+              <a:rPr lang="en-US" altLang="zh-CN" dirty="0">
+                <a:solidFill>
+                  <a:srgbClr val="0000FF"/>
+                </a:solidFill>
+                <a:latin typeface="新宋体" panose="02010609030101010101" pitchFamily="49" charset="-122"/>
+                <a:ea typeface="新宋体" panose="02010609030101010101" pitchFamily="49" charset="-122"/>
+              </a:rPr>
+              <a:t>class</a:t>
+            </a:r>
+            <a:r>
+              <a:rPr lang="en-US" altLang="zh-CN" dirty="0">
+                <a:solidFill>
+                  <a:srgbClr val="000000"/>
+                </a:solidFill>
+                <a:latin typeface="新宋体" panose="02010609030101010101" pitchFamily="49" charset="-122"/>
+                <a:ea typeface="新宋体" panose="02010609030101010101" pitchFamily="49" charset="-122"/>
+              </a:rPr>
+              <a:t> </a:t>
+            </a:r>
+            <a:r>
+              <a:rPr lang="en-US" altLang="zh-CN" dirty="0">
+                <a:solidFill>
+                  <a:srgbClr val="2B91AF"/>
+                </a:solidFill>
+                <a:latin typeface="新宋体" panose="02010609030101010101" pitchFamily="49" charset="-122"/>
+                <a:ea typeface="新宋体" panose="02010609030101010101" pitchFamily="49" charset="-122"/>
+              </a:rPr>
+              <a:t>Admin</a:t>
+            </a:r>
+            <a:endParaRPr lang="en-US" altLang="zh-CN" dirty="0">
+              <a:solidFill>
+                <a:srgbClr val="000000"/>
+              </a:solidFill>
+              <a:latin typeface="新宋体" panose="02010609030101010101" pitchFamily="49" charset="-122"/>
+              <a:ea typeface="新宋体" panose="02010609030101010101" pitchFamily="49" charset="-122"/>
+            </a:endParaRPr>
+          </a:p>
+          <a:p>
+            <a:r>
+              <a:rPr lang="en-US" altLang="zh-CN" dirty="0">
+                <a:solidFill>
+                  <a:srgbClr val="000000"/>
+                </a:solidFill>
+                <a:latin typeface="新宋体" panose="02010609030101010101" pitchFamily="49" charset="-122"/>
+                <a:ea typeface="新宋体" panose="02010609030101010101" pitchFamily="49" charset="-122"/>
+              </a:rPr>
+              <a:t>{</a:t>
+            </a:r>
+          </a:p>
+          <a:p>
+            <a:r>
+              <a:rPr lang="en-US" altLang="zh-CN" dirty="0">
+                <a:solidFill>
+                  <a:srgbClr val="2B91AF"/>
+                </a:solidFill>
+                <a:latin typeface="新宋体" panose="02010609030101010101" pitchFamily="49" charset="-122"/>
+                <a:ea typeface="新宋体" panose="02010609030101010101" pitchFamily="49" charset="-122"/>
+              </a:rPr>
+              <a:t>Goods</a:t>
+            </a:r>
+            <a:r>
+              <a:rPr lang="en-US" altLang="zh-CN" dirty="0">
+                <a:solidFill>
+                  <a:srgbClr val="000000"/>
+                </a:solidFill>
+                <a:latin typeface="新宋体" panose="02010609030101010101" pitchFamily="49" charset="-122"/>
+                <a:ea typeface="新宋体" panose="02010609030101010101" pitchFamily="49" charset="-122"/>
+              </a:rPr>
+              <a:t> g;//</a:t>
+            </a:r>
+            <a:r>
+              <a:rPr lang="zh-CN" altLang="en-US" dirty="0">
+                <a:solidFill>
+                  <a:srgbClr val="000000"/>
+                </a:solidFill>
+                <a:latin typeface="新宋体" panose="02010609030101010101" pitchFamily="49" charset="-122"/>
+                <a:ea typeface="新宋体" panose="02010609030101010101" pitchFamily="49" charset="-122"/>
+              </a:rPr>
+              <a:t>复合关系：</a:t>
+            </a:r>
+            <a:r>
+              <a:rPr lang="en-US" altLang="zh-CN" dirty="0">
+                <a:solidFill>
+                  <a:srgbClr val="000000"/>
+                </a:solidFill>
+                <a:latin typeface="新宋体" panose="02010609030101010101" pitchFamily="49" charset="-122"/>
+                <a:ea typeface="新宋体" panose="02010609030101010101" pitchFamily="49" charset="-122"/>
+              </a:rPr>
+              <a:t>Admin</a:t>
+            </a:r>
+            <a:r>
+              <a:rPr lang="zh-CN" altLang="en-US" dirty="0">
+                <a:solidFill>
+                  <a:srgbClr val="000000"/>
+                </a:solidFill>
+                <a:latin typeface="新宋体" panose="02010609030101010101" pitchFamily="49" charset="-122"/>
+                <a:ea typeface="新宋体" panose="02010609030101010101" pitchFamily="49" charset="-122"/>
+              </a:rPr>
+              <a:t>有</a:t>
+            </a:r>
+            <a:r>
+              <a:rPr lang="en-US" altLang="zh-CN" dirty="0">
+                <a:solidFill>
+                  <a:srgbClr val="000000"/>
+                </a:solidFill>
+                <a:latin typeface="新宋体" panose="02010609030101010101" pitchFamily="49" charset="-122"/>
+                <a:ea typeface="新宋体" panose="02010609030101010101" pitchFamily="49" charset="-122"/>
+              </a:rPr>
+              <a:t>Goods</a:t>
+            </a:r>
+          </a:p>
+          <a:p>
+            <a:r>
+              <a:rPr lang="en-US" altLang="zh-CN" dirty="0">
+                <a:solidFill>
+                  <a:srgbClr val="0000FF"/>
+                </a:solidFill>
+                <a:latin typeface="新宋体" panose="02010609030101010101" pitchFamily="49" charset="-122"/>
+                <a:ea typeface="新宋体" panose="02010609030101010101" pitchFamily="49" charset="-122"/>
+              </a:rPr>
+              <a:t>private</a:t>
+            </a:r>
+            <a:r>
+              <a:rPr lang="en-US" altLang="zh-CN" dirty="0">
+                <a:solidFill>
+                  <a:srgbClr val="000000"/>
+                </a:solidFill>
+                <a:latin typeface="新宋体" panose="02010609030101010101" pitchFamily="49" charset="-122"/>
+                <a:ea typeface="新宋体" panose="02010609030101010101" pitchFamily="49" charset="-122"/>
+              </a:rPr>
+              <a:t>:</a:t>
+            </a:r>
+          </a:p>
+          <a:p>
+            <a:r>
+              <a:rPr lang="en-US" altLang="zh-CN" dirty="0">
+                <a:solidFill>
+                  <a:srgbClr val="0000FF"/>
+                </a:solidFill>
+                <a:latin typeface="新宋体" panose="02010609030101010101" pitchFamily="49" charset="-122"/>
+                <a:ea typeface="新宋体" panose="02010609030101010101" pitchFamily="49" charset="-122"/>
+              </a:rPr>
+              <a:t>char</a:t>
+            </a:r>
+            <a:r>
+              <a:rPr lang="en-US" altLang="zh-CN" dirty="0">
+                <a:solidFill>
+                  <a:srgbClr val="000000"/>
+                </a:solidFill>
+                <a:latin typeface="新宋体" panose="02010609030101010101" pitchFamily="49" charset="-122"/>
+                <a:ea typeface="新宋体" panose="02010609030101010101" pitchFamily="49" charset="-122"/>
+              </a:rPr>
+              <a:t>* id;</a:t>
+            </a:r>
+          </a:p>
+          <a:p>
+            <a:r>
+              <a:rPr lang="en-US" altLang="zh-CN" dirty="0">
+                <a:solidFill>
+                  <a:srgbClr val="0000FF"/>
+                </a:solidFill>
+                <a:latin typeface="新宋体" panose="02010609030101010101" pitchFamily="49" charset="-122"/>
+                <a:ea typeface="新宋体" panose="02010609030101010101" pitchFamily="49" charset="-122"/>
+              </a:rPr>
+              <a:t>char</a:t>
+            </a:r>
+            <a:r>
+              <a:rPr lang="en-US" altLang="zh-CN" dirty="0">
+                <a:solidFill>
+                  <a:srgbClr val="000000"/>
+                </a:solidFill>
+                <a:latin typeface="新宋体" panose="02010609030101010101" pitchFamily="49" charset="-122"/>
+                <a:ea typeface="新宋体" panose="02010609030101010101" pitchFamily="49" charset="-122"/>
+              </a:rPr>
+              <a:t>* password;</a:t>
+            </a:r>
+          </a:p>
+          <a:p>
+            <a:r>
+              <a:rPr lang="en-US" altLang="zh-CN" dirty="0">
+                <a:solidFill>
+                  <a:srgbClr val="0000FF"/>
+                </a:solidFill>
+                <a:latin typeface="新宋体" panose="02010609030101010101" pitchFamily="49" charset="-122"/>
+                <a:ea typeface="新宋体" panose="02010609030101010101" pitchFamily="49" charset="-122"/>
+              </a:rPr>
+              <a:t>public</a:t>
+            </a:r>
+            <a:r>
+              <a:rPr lang="en-US" altLang="zh-CN" dirty="0">
+                <a:solidFill>
+                  <a:srgbClr val="000000"/>
+                </a:solidFill>
+                <a:latin typeface="新宋体" panose="02010609030101010101" pitchFamily="49" charset="-122"/>
+                <a:ea typeface="新宋体" panose="02010609030101010101" pitchFamily="49" charset="-122"/>
+              </a:rPr>
+              <a:t>:</a:t>
+            </a:r>
+          </a:p>
+          <a:p>
+            <a:r>
+              <a:rPr lang="en-US" altLang="zh-CN" dirty="0">
+                <a:solidFill>
+                  <a:srgbClr val="000000"/>
+                </a:solidFill>
+                <a:latin typeface="新宋体" panose="02010609030101010101" pitchFamily="49" charset="-122"/>
+                <a:ea typeface="新宋体" panose="02010609030101010101" pitchFamily="49" charset="-122"/>
+              </a:rPr>
+              <a:t>Admin();</a:t>
+            </a:r>
+          </a:p>
+          <a:p>
+            <a:r>
+              <a:rPr lang="en-US" altLang="zh-CN" dirty="0">
+                <a:solidFill>
+                  <a:srgbClr val="000000"/>
+                </a:solidFill>
+                <a:latin typeface="新宋体" panose="02010609030101010101" pitchFamily="49" charset="-122"/>
+                <a:ea typeface="新宋体" panose="02010609030101010101" pitchFamily="49" charset="-122"/>
+              </a:rPr>
+              <a:t>Admin(</a:t>
+            </a:r>
+            <a:r>
+              <a:rPr lang="en-US" altLang="zh-CN" dirty="0">
+                <a:solidFill>
+                  <a:srgbClr val="0000FF"/>
+                </a:solidFill>
+                <a:latin typeface="新宋体" panose="02010609030101010101" pitchFamily="49" charset="-122"/>
+                <a:ea typeface="新宋体" panose="02010609030101010101" pitchFamily="49" charset="-122"/>
+              </a:rPr>
+              <a:t>char</a:t>
+            </a:r>
+            <a:r>
+              <a:rPr lang="en-US" altLang="zh-CN" dirty="0">
+                <a:solidFill>
+                  <a:srgbClr val="000000"/>
+                </a:solidFill>
+                <a:latin typeface="新宋体" panose="02010609030101010101" pitchFamily="49" charset="-122"/>
+                <a:ea typeface="新宋体" panose="02010609030101010101" pitchFamily="49" charset="-122"/>
+              </a:rPr>
+              <a:t>* </a:t>
+            </a:r>
+            <a:r>
+              <a:rPr lang="en-US" altLang="zh-CN" dirty="0" err="1">
+                <a:solidFill>
+                  <a:srgbClr val="808080"/>
+                </a:solidFill>
+                <a:latin typeface="新宋体" panose="02010609030101010101" pitchFamily="49" charset="-122"/>
+                <a:ea typeface="新宋体" panose="02010609030101010101" pitchFamily="49" charset="-122"/>
+              </a:rPr>
+              <a:t>cid</a:t>
+            </a:r>
+            <a:r>
+              <a:rPr lang="en-US" altLang="zh-CN" dirty="0">
+                <a:solidFill>
+                  <a:srgbClr val="000000"/>
+                </a:solidFill>
+                <a:latin typeface="新宋体" panose="02010609030101010101" pitchFamily="49" charset="-122"/>
+                <a:ea typeface="新宋体" panose="02010609030101010101" pitchFamily="49" charset="-122"/>
+              </a:rPr>
+              <a:t>, </a:t>
+            </a:r>
+            <a:r>
+              <a:rPr lang="en-US" altLang="zh-CN" dirty="0">
+                <a:solidFill>
+                  <a:srgbClr val="0000FF"/>
+                </a:solidFill>
+                <a:latin typeface="新宋体" panose="02010609030101010101" pitchFamily="49" charset="-122"/>
+                <a:ea typeface="新宋体" panose="02010609030101010101" pitchFamily="49" charset="-122"/>
+              </a:rPr>
+              <a:t>char</a:t>
+            </a:r>
+            <a:r>
+              <a:rPr lang="en-US" altLang="zh-CN" dirty="0">
+                <a:solidFill>
+                  <a:srgbClr val="000000"/>
+                </a:solidFill>
+                <a:latin typeface="新宋体" panose="02010609030101010101" pitchFamily="49" charset="-122"/>
+                <a:ea typeface="新宋体" panose="02010609030101010101" pitchFamily="49" charset="-122"/>
+              </a:rPr>
+              <a:t>* </a:t>
+            </a:r>
+            <a:r>
+              <a:rPr lang="en-US" altLang="zh-CN" dirty="0" err="1">
+                <a:solidFill>
+                  <a:srgbClr val="808080"/>
+                </a:solidFill>
+                <a:latin typeface="新宋体" panose="02010609030101010101" pitchFamily="49" charset="-122"/>
+                <a:ea typeface="新宋体" panose="02010609030101010101" pitchFamily="49" charset="-122"/>
+              </a:rPr>
+              <a:t>cpassword</a:t>
+            </a:r>
+            <a:r>
+              <a:rPr lang="en-US" altLang="zh-CN" dirty="0">
+                <a:solidFill>
+                  <a:srgbClr val="000000"/>
+                </a:solidFill>
+                <a:latin typeface="新宋体" panose="02010609030101010101" pitchFamily="49" charset="-122"/>
+                <a:ea typeface="新宋体" panose="02010609030101010101" pitchFamily="49" charset="-122"/>
+              </a:rPr>
+              <a:t>);</a:t>
+            </a:r>
+          </a:p>
+          <a:p>
+            <a:r>
+              <a:rPr lang="en-US" altLang="zh-CN" dirty="0">
+                <a:solidFill>
+                  <a:srgbClr val="0000FF"/>
+                </a:solidFill>
+                <a:latin typeface="新宋体" panose="02010609030101010101" pitchFamily="49" charset="-122"/>
+                <a:ea typeface="新宋体" panose="02010609030101010101" pitchFamily="49" charset="-122"/>
+              </a:rPr>
+              <a:t>void</a:t>
+            </a:r>
+            <a:r>
+              <a:rPr lang="en-US" altLang="zh-CN" dirty="0">
+                <a:solidFill>
+                  <a:srgbClr val="000000"/>
+                </a:solidFill>
+                <a:latin typeface="新宋体" panose="02010609030101010101" pitchFamily="49" charset="-122"/>
+                <a:ea typeface="新宋体" panose="02010609030101010101" pitchFamily="49" charset="-122"/>
+              </a:rPr>
+              <a:t> Login();</a:t>
+            </a:r>
+          </a:p>
+          <a:p>
+            <a:r>
+              <a:rPr lang="en-US" altLang="zh-CN" dirty="0">
+                <a:solidFill>
+                  <a:srgbClr val="0000FF"/>
+                </a:solidFill>
+                <a:latin typeface="新宋体" panose="02010609030101010101" pitchFamily="49" charset="-122"/>
+                <a:ea typeface="新宋体" panose="02010609030101010101" pitchFamily="49" charset="-122"/>
+              </a:rPr>
+              <a:t>void</a:t>
+            </a:r>
+            <a:r>
+              <a:rPr lang="en-US" altLang="zh-CN" dirty="0">
+                <a:solidFill>
+                  <a:srgbClr val="000000"/>
+                </a:solidFill>
+                <a:latin typeface="新宋体" panose="02010609030101010101" pitchFamily="49" charset="-122"/>
+                <a:ea typeface="新宋体" panose="02010609030101010101" pitchFamily="49" charset="-122"/>
+              </a:rPr>
+              <a:t> Logout();</a:t>
+            </a:r>
+          </a:p>
+          <a:p>
+            <a:r>
+              <a:rPr lang="en-US" altLang="zh-CN" dirty="0">
+                <a:solidFill>
+                  <a:srgbClr val="0000FF"/>
+                </a:solidFill>
+                <a:latin typeface="新宋体" panose="02010609030101010101" pitchFamily="49" charset="-122"/>
+                <a:ea typeface="新宋体" panose="02010609030101010101" pitchFamily="49" charset="-122"/>
+              </a:rPr>
+              <a:t>void</a:t>
+            </a:r>
+            <a:r>
+              <a:rPr lang="en-US" altLang="zh-CN" dirty="0">
+                <a:solidFill>
+                  <a:srgbClr val="000000"/>
+                </a:solidFill>
+                <a:latin typeface="新宋体" panose="02010609030101010101" pitchFamily="49" charset="-122"/>
+                <a:ea typeface="新宋体" panose="02010609030101010101" pitchFamily="49" charset="-122"/>
+              </a:rPr>
+              <a:t> </a:t>
+            </a:r>
+            <a:r>
+              <a:rPr lang="en-US" altLang="zh-CN" dirty="0" err="1">
+                <a:solidFill>
+                  <a:srgbClr val="000000"/>
+                </a:solidFill>
+                <a:latin typeface="新宋体" panose="02010609030101010101" pitchFamily="49" charset="-122"/>
+                <a:ea typeface="新宋体" panose="02010609030101010101" pitchFamily="49" charset="-122"/>
+              </a:rPr>
+              <a:t>InquireGoods</a:t>
+            </a:r>
+            <a:r>
+              <a:rPr lang="en-US" altLang="zh-CN" dirty="0">
+                <a:solidFill>
+                  <a:srgbClr val="000000"/>
+                </a:solidFill>
+                <a:latin typeface="新宋体" panose="02010609030101010101" pitchFamily="49" charset="-122"/>
+                <a:ea typeface="新宋体" panose="02010609030101010101" pitchFamily="49" charset="-122"/>
+              </a:rPr>
+              <a:t>();</a:t>
+            </a:r>
+          </a:p>
+          <a:p>
+            <a:r>
+              <a:rPr lang="en-US" altLang="zh-CN" dirty="0">
+                <a:solidFill>
+                  <a:srgbClr val="0000FF"/>
+                </a:solidFill>
+                <a:latin typeface="新宋体" panose="02010609030101010101" pitchFamily="49" charset="-122"/>
+                <a:ea typeface="新宋体" panose="02010609030101010101" pitchFamily="49" charset="-122"/>
+              </a:rPr>
+              <a:t>void</a:t>
+            </a:r>
+            <a:r>
+              <a:rPr lang="en-US" altLang="zh-CN" dirty="0">
+                <a:solidFill>
+                  <a:srgbClr val="000000"/>
+                </a:solidFill>
+                <a:latin typeface="新宋体" panose="02010609030101010101" pitchFamily="49" charset="-122"/>
+                <a:ea typeface="新宋体" panose="02010609030101010101" pitchFamily="49" charset="-122"/>
+              </a:rPr>
+              <a:t> </a:t>
+            </a:r>
+            <a:r>
+              <a:rPr lang="en-US" altLang="zh-CN" dirty="0" err="1">
+                <a:solidFill>
+                  <a:srgbClr val="000000"/>
+                </a:solidFill>
+                <a:latin typeface="新宋体" panose="02010609030101010101" pitchFamily="49" charset="-122"/>
+                <a:ea typeface="新宋体" panose="02010609030101010101" pitchFamily="49" charset="-122"/>
+              </a:rPr>
+              <a:t>AddGoods</a:t>
+            </a:r>
+            <a:r>
+              <a:rPr lang="en-US" altLang="zh-CN" dirty="0">
+                <a:solidFill>
+                  <a:srgbClr val="000000"/>
+                </a:solidFill>
+                <a:latin typeface="新宋体" panose="02010609030101010101" pitchFamily="49" charset="-122"/>
+                <a:ea typeface="新宋体" panose="02010609030101010101" pitchFamily="49" charset="-122"/>
+              </a:rPr>
+              <a:t>();</a:t>
+            </a:r>
+          </a:p>
+          <a:p>
+            <a:r>
+              <a:rPr lang="en-US" altLang="zh-CN" dirty="0">
+                <a:solidFill>
+                  <a:srgbClr val="0000FF"/>
+                </a:solidFill>
+                <a:latin typeface="新宋体" panose="02010609030101010101" pitchFamily="49" charset="-122"/>
+                <a:ea typeface="新宋体" panose="02010609030101010101" pitchFamily="49" charset="-122"/>
+              </a:rPr>
+              <a:t>void</a:t>
+            </a:r>
+            <a:r>
+              <a:rPr lang="en-US" altLang="zh-CN" dirty="0">
+                <a:solidFill>
+                  <a:srgbClr val="000000"/>
+                </a:solidFill>
+                <a:latin typeface="新宋体" panose="02010609030101010101" pitchFamily="49" charset="-122"/>
+                <a:ea typeface="新宋体" panose="02010609030101010101" pitchFamily="49" charset="-122"/>
+              </a:rPr>
+              <a:t> </a:t>
+            </a:r>
+            <a:r>
+              <a:rPr lang="en-US" altLang="zh-CN" dirty="0" err="1">
+                <a:solidFill>
+                  <a:srgbClr val="000000"/>
+                </a:solidFill>
+                <a:latin typeface="新宋体" panose="02010609030101010101" pitchFamily="49" charset="-122"/>
+                <a:ea typeface="新宋体" panose="02010609030101010101" pitchFamily="49" charset="-122"/>
+              </a:rPr>
+              <a:t>DeleteGoods</a:t>
+            </a:r>
+            <a:r>
+              <a:rPr lang="en-US" altLang="zh-CN" dirty="0">
+                <a:solidFill>
+                  <a:srgbClr val="000000"/>
+                </a:solidFill>
+                <a:latin typeface="新宋体" panose="02010609030101010101" pitchFamily="49" charset="-122"/>
+                <a:ea typeface="新宋体" panose="02010609030101010101" pitchFamily="49" charset="-122"/>
+              </a:rPr>
+              <a:t>();</a:t>
+            </a:r>
+          </a:p>
+          <a:p>
+            <a:r>
+              <a:rPr lang="en-US" altLang="zh-CN" dirty="0">
+                <a:solidFill>
+                  <a:srgbClr val="0000FF"/>
+                </a:solidFill>
+                <a:latin typeface="新宋体" panose="02010609030101010101" pitchFamily="49" charset="-122"/>
+                <a:ea typeface="新宋体" panose="02010609030101010101" pitchFamily="49" charset="-122"/>
+              </a:rPr>
+              <a:t>void</a:t>
+            </a:r>
+            <a:r>
+              <a:rPr lang="en-US" altLang="zh-CN" dirty="0">
+                <a:solidFill>
+                  <a:srgbClr val="000000"/>
+                </a:solidFill>
+                <a:latin typeface="新宋体" panose="02010609030101010101" pitchFamily="49" charset="-122"/>
+                <a:ea typeface="新宋体" panose="02010609030101010101" pitchFamily="49" charset="-122"/>
+              </a:rPr>
+              <a:t> </a:t>
+            </a:r>
+            <a:r>
+              <a:rPr lang="en-US" altLang="zh-CN" dirty="0" err="1">
+                <a:solidFill>
+                  <a:srgbClr val="000000"/>
+                </a:solidFill>
+                <a:latin typeface="新宋体" panose="02010609030101010101" pitchFamily="49" charset="-122"/>
+                <a:ea typeface="新宋体" panose="02010609030101010101" pitchFamily="49" charset="-122"/>
+              </a:rPr>
+              <a:t>ModifyGoodsNum</a:t>
+            </a:r>
+            <a:r>
+              <a:rPr lang="en-US" altLang="zh-CN" dirty="0">
+                <a:solidFill>
+                  <a:srgbClr val="000000"/>
+                </a:solidFill>
+                <a:latin typeface="新宋体" panose="02010609030101010101" pitchFamily="49" charset="-122"/>
+                <a:ea typeface="新宋体" panose="02010609030101010101" pitchFamily="49" charset="-122"/>
+              </a:rPr>
+              <a:t>();</a:t>
+            </a:r>
+          </a:p>
+          <a:p>
+            <a:r>
+              <a:rPr lang="en-US" altLang="zh-CN" dirty="0">
+                <a:solidFill>
+                  <a:srgbClr val="0000FF"/>
+                </a:solidFill>
+                <a:latin typeface="新宋体" panose="02010609030101010101" pitchFamily="49" charset="-122"/>
+                <a:ea typeface="新宋体" panose="02010609030101010101" pitchFamily="49" charset="-122"/>
+              </a:rPr>
+              <a:t>void</a:t>
+            </a:r>
+            <a:r>
+              <a:rPr lang="en-US" altLang="zh-CN" dirty="0">
+                <a:solidFill>
+                  <a:srgbClr val="000000"/>
+                </a:solidFill>
+                <a:latin typeface="新宋体" panose="02010609030101010101" pitchFamily="49" charset="-122"/>
+                <a:ea typeface="新宋体" panose="02010609030101010101" pitchFamily="49" charset="-122"/>
+              </a:rPr>
+              <a:t> </a:t>
+            </a:r>
+            <a:r>
+              <a:rPr lang="en-US" altLang="zh-CN" dirty="0" err="1">
+                <a:solidFill>
+                  <a:srgbClr val="000000"/>
+                </a:solidFill>
+                <a:latin typeface="新宋体" panose="02010609030101010101" pitchFamily="49" charset="-122"/>
+                <a:ea typeface="新宋体" panose="02010609030101010101" pitchFamily="49" charset="-122"/>
+              </a:rPr>
+              <a:t>InquireSaleList</a:t>
+            </a:r>
+            <a:r>
+              <a:rPr lang="en-US" altLang="zh-CN" dirty="0">
+                <a:solidFill>
+                  <a:srgbClr val="000000"/>
+                </a:solidFill>
+                <a:latin typeface="新宋体" panose="02010609030101010101" pitchFamily="49" charset="-122"/>
+                <a:ea typeface="新宋体" panose="02010609030101010101" pitchFamily="49" charset="-122"/>
+              </a:rPr>
+              <a:t>();</a:t>
+            </a:r>
+          </a:p>
+          <a:p>
+            <a:r>
+              <a:rPr lang="en-US" altLang="zh-CN" dirty="0">
+                <a:solidFill>
+                  <a:srgbClr val="000000"/>
+                </a:solidFill>
+                <a:latin typeface="新宋体" panose="02010609030101010101" pitchFamily="49" charset="-122"/>
+                <a:ea typeface="新宋体" panose="02010609030101010101" pitchFamily="49" charset="-122"/>
+              </a:rPr>
+              <a:t>~Admin();</a:t>
+            </a:r>
+          </a:p>
+          <a:p>
+            <a:r>
+              <a:rPr lang="en-US" altLang="zh-CN" dirty="0">
+                <a:solidFill>
+                  <a:srgbClr val="000000"/>
+                </a:solidFill>
+                <a:latin typeface="新宋体" panose="02010609030101010101" pitchFamily="49" charset="-122"/>
+                <a:ea typeface="新宋体" panose="02010609030101010101" pitchFamily="49" charset="-122"/>
+              </a:rPr>
+              <a:t>};</a:t>
+            </a:r>
+            <a:endParaRPr lang="zh-CN" altLang="en-US" dirty="0"/>
+          </a:p>
+        </p:txBody>
+      </p:sp>
+      <p:sp>
+        <p:nvSpPr>
+          <p:cNvPr id="5" name="矩形 4">
+            <a:extLst>
+              <a:ext uri="{FF2B5EF4-FFF2-40B4-BE49-F238E27FC236}">
+                <a16:creationId xmlns:a16="http://schemas.microsoft.com/office/drawing/2014/main" id="{248F9966-59BD-4E61-ABD9-7FD74A71A167}"/>
+              </a:ext>
+            </a:extLst>
+          </p:cNvPr>
+          <p:cNvSpPr/>
+          <p:nvPr/>
+        </p:nvSpPr>
+        <p:spPr>
+          <a:xfrm>
+            <a:off x="4673600" y="995184"/>
+            <a:ext cx="6096000" cy="5355312"/>
+          </a:xfrm>
+          <a:prstGeom prst="rect">
+            <a:avLst/>
+          </a:prstGeom>
+        </p:spPr>
+        <p:txBody>
+          <a:bodyPr>
+            <a:spAutoFit/>
+          </a:bodyPr>
+          <a:lstStyle/>
+          <a:p>
+            <a:r>
+              <a:rPr lang="en-US" altLang="zh-CN" dirty="0">
+                <a:solidFill>
+                  <a:srgbClr val="0000FF"/>
+                </a:solidFill>
+                <a:latin typeface="新宋体" panose="02010609030101010101" pitchFamily="49" charset="-122"/>
+                <a:ea typeface="新宋体" panose="02010609030101010101" pitchFamily="49" charset="-122"/>
+              </a:rPr>
+              <a:t>class</a:t>
+            </a:r>
+            <a:r>
+              <a:rPr lang="en-US" altLang="zh-CN" dirty="0">
+                <a:solidFill>
+                  <a:srgbClr val="000000"/>
+                </a:solidFill>
+                <a:latin typeface="新宋体" panose="02010609030101010101" pitchFamily="49" charset="-122"/>
+                <a:ea typeface="新宋体" panose="02010609030101010101" pitchFamily="49" charset="-122"/>
+              </a:rPr>
+              <a:t> </a:t>
+            </a:r>
+            <a:r>
+              <a:rPr lang="en-US" altLang="zh-CN" dirty="0">
+                <a:solidFill>
+                  <a:srgbClr val="2B91AF"/>
+                </a:solidFill>
+                <a:latin typeface="新宋体" panose="02010609030101010101" pitchFamily="49" charset="-122"/>
+                <a:ea typeface="新宋体" panose="02010609030101010101" pitchFamily="49" charset="-122"/>
+              </a:rPr>
+              <a:t>Customer</a:t>
+            </a:r>
+            <a:endParaRPr lang="en-US" altLang="zh-CN" dirty="0">
+              <a:solidFill>
+                <a:srgbClr val="000000"/>
+              </a:solidFill>
+              <a:latin typeface="新宋体" panose="02010609030101010101" pitchFamily="49" charset="-122"/>
+              <a:ea typeface="新宋体" panose="02010609030101010101" pitchFamily="49" charset="-122"/>
+            </a:endParaRPr>
+          </a:p>
+          <a:p>
+            <a:r>
+              <a:rPr lang="en-US" altLang="zh-CN" dirty="0">
+                <a:solidFill>
+                  <a:srgbClr val="000000"/>
+                </a:solidFill>
+                <a:latin typeface="新宋体" panose="02010609030101010101" pitchFamily="49" charset="-122"/>
+                <a:ea typeface="新宋体" panose="02010609030101010101" pitchFamily="49" charset="-122"/>
+              </a:rPr>
+              <a:t>{</a:t>
+            </a:r>
+          </a:p>
+          <a:p>
+            <a:r>
+              <a:rPr lang="en-US" altLang="zh-CN" dirty="0">
+                <a:solidFill>
+                  <a:srgbClr val="2B91AF"/>
+                </a:solidFill>
+                <a:latin typeface="新宋体" panose="02010609030101010101" pitchFamily="49" charset="-122"/>
+                <a:ea typeface="新宋体" panose="02010609030101010101" pitchFamily="49" charset="-122"/>
+              </a:rPr>
+              <a:t>Goods</a:t>
+            </a:r>
+            <a:r>
+              <a:rPr lang="en-US" altLang="zh-CN" dirty="0">
+                <a:solidFill>
+                  <a:srgbClr val="000000"/>
+                </a:solidFill>
+                <a:latin typeface="新宋体" panose="02010609030101010101" pitchFamily="49" charset="-122"/>
+                <a:ea typeface="新宋体" panose="02010609030101010101" pitchFamily="49" charset="-122"/>
+              </a:rPr>
+              <a:t> g;//</a:t>
+            </a:r>
+            <a:r>
+              <a:rPr lang="zh-CN" altLang="en-US" dirty="0">
+                <a:solidFill>
+                  <a:srgbClr val="000000"/>
+                </a:solidFill>
+                <a:latin typeface="新宋体" panose="02010609030101010101" pitchFamily="49" charset="-122"/>
+                <a:ea typeface="新宋体" panose="02010609030101010101" pitchFamily="49" charset="-122"/>
+              </a:rPr>
+              <a:t>复合关系</a:t>
+            </a:r>
+            <a:endParaRPr lang="en-US" altLang="zh-CN" dirty="0">
+              <a:solidFill>
+                <a:srgbClr val="000000"/>
+              </a:solidFill>
+              <a:latin typeface="新宋体" panose="02010609030101010101" pitchFamily="49" charset="-122"/>
+              <a:ea typeface="新宋体" panose="02010609030101010101" pitchFamily="49" charset="-122"/>
+            </a:endParaRPr>
+          </a:p>
+          <a:p>
+            <a:r>
+              <a:rPr lang="en-US" altLang="zh-CN" dirty="0" err="1">
+                <a:solidFill>
+                  <a:srgbClr val="0000FF"/>
+                </a:solidFill>
+                <a:latin typeface="新宋体" panose="02010609030101010101" pitchFamily="49" charset="-122"/>
+                <a:ea typeface="新宋体" panose="02010609030101010101" pitchFamily="49" charset="-122"/>
+              </a:rPr>
+              <a:t>private</a:t>
+            </a:r>
+            <a:r>
+              <a:rPr lang="en-US" altLang="zh-CN" dirty="0" err="1">
+                <a:solidFill>
+                  <a:srgbClr val="000000"/>
+                </a:solidFill>
+                <a:latin typeface="新宋体" panose="02010609030101010101" pitchFamily="49" charset="-122"/>
+                <a:ea typeface="新宋体" panose="02010609030101010101" pitchFamily="49" charset="-122"/>
+              </a:rPr>
+              <a:t>:</a:t>
+            </a:r>
+            <a:r>
+              <a:rPr lang="en-US" altLang="zh-CN" dirty="0" err="1">
+                <a:solidFill>
+                  <a:srgbClr val="2B91AF"/>
+                </a:solidFill>
+                <a:latin typeface="新宋体" panose="02010609030101010101" pitchFamily="49" charset="-122"/>
+                <a:ea typeface="新宋体" panose="02010609030101010101" pitchFamily="49" charset="-122"/>
+              </a:rPr>
+              <a:t>vector</a:t>
+            </a:r>
+            <a:r>
+              <a:rPr lang="en-US" altLang="zh-CN" dirty="0">
+                <a:solidFill>
+                  <a:srgbClr val="000000"/>
+                </a:solidFill>
+                <a:latin typeface="新宋体" panose="02010609030101010101" pitchFamily="49" charset="-122"/>
+                <a:ea typeface="新宋体" panose="02010609030101010101" pitchFamily="49" charset="-122"/>
+              </a:rPr>
+              <a:t>&lt;</a:t>
+            </a:r>
+            <a:r>
+              <a:rPr lang="en-US" altLang="zh-CN" dirty="0">
+                <a:solidFill>
+                  <a:srgbClr val="2B91AF"/>
+                </a:solidFill>
+                <a:latin typeface="新宋体" panose="02010609030101010101" pitchFamily="49" charset="-122"/>
+                <a:ea typeface="新宋体" panose="02010609030101010101" pitchFamily="49" charset="-122"/>
+              </a:rPr>
+              <a:t>User</a:t>
+            </a:r>
+            <a:r>
+              <a:rPr lang="en-US" altLang="zh-CN" dirty="0">
+                <a:solidFill>
+                  <a:srgbClr val="000000"/>
+                </a:solidFill>
+                <a:latin typeface="新宋体" panose="02010609030101010101" pitchFamily="49" charset="-122"/>
+                <a:ea typeface="新宋体" panose="02010609030101010101" pitchFamily="49" charset="-122"/>
+              </a:rPr>
+              <a:t>&gt;</a:t>
+            </a:r>
+            <a:r>
+              <a:rPr lang="en-US" altLang="zh-CN" dirty="0" err="1">
+                <a:solidFill>
+                  <a:srgbClr val="000000"/>
+                </a:solidFill>
+                <a:latin typeface="新宋体" panose="02010609030101010101" pitchFamily="49" charset="-122"/>
+                <a:ea typeface="新宋体" panose="02010609030101010101" pitchFamily="49" charset="-122"/>
+              </a:rPr>
+              <a:t>userList</a:t>
+            </a:r>
+            <a:r>
+              <a:rPr lang="en-US" altLang="zh-CN" dirty="0">
+                <a:solidFill>
+                  <a:srgbClr val="000000"/>
+                </a:solidFill>
+                <a:latin typeface="新宋体" panose="02010609030101010101" pitchFamily="49" charset="-122"/>
+                <a:ea typeface="新宋体" panose="02010609030101010101" pitchFamily="49" charset="-122"/>
+              </a:rPr>
+              <a:t>;</a:t>
+            </a:r>
+          </a:p>
+          <a:p>
+            <a:r>
+              <a:rPr lang="en-US" altLang="zh-CN" dirty="0">
+                <a:solidFill>
+                  <a:srgbClr val="0000FF"/>
+                </a:solidFill>
+                <a:latin typeface="新宋体" panose="02010609030101010101" pitchFamily="49" charset="-122"/>
+                <a:ea typeface="新宋体" panose="02010609030101010101" pitchFamily="49" charset="-122"/>
+              </a:rPr>
+              <a:t>public</a:t>
+            </a:r>
+            <a:r>
+              <a:rPr lang="en-US" altLang="zh-CN" dirty="0">
+                <a:solidFill>
+                  <a:srgbClr val="000000"/>
+                </a:solidFill>
+                <a:latin typeface="新宋体" panose="02010609030101010101" pitchFamily="49" charset="-122"/>
+                <a:ea typeface="新宋体" panose="02010609030101010101" pitchFamily="49" charset="-122"/>
+              </a:rPr>
+              <a:t>:</a:t>
+            </a:r>
+          </a:p>
+          <a:p>
+            <a:r>
+              <a:rPr lang="en-US" altLang="zh-CN" dirty="0">
+                <a:solidFill>
+                  <a:srgbClr val="000000"/>
+                </a:solidFill>
+                <a:latin typeface="新宋体" panose="02010609030101010101" pitchFamily="49" charset="-122"/>
+                <a:ea typeface="新宋体" panose="02010609030101010101" pitchFamily="49" charset="-122"/>
+              </a:rPr>
+              <a:t>Customer();</a:t>
+            </a:r>
+          </a:p>
+          <a:p>
+            <a:r>
+              <a:rPr lang="en-US" altLang="zh-CN" dirty="0">
+                <a:solidFill>
+                  <a:srgbClr val="000000"/>
+                </a:solidFill>
+                <a:latin typeface="新宋体" panose="02010609030101010101" pitchFamily="49" charset="-122"/>
+                <a:ea typeface="新宋体" panose="02010609030101010101" pitchFamily="49" charset="-122"/>
+              </a:rPr>
+              <a:t>~Customer();</a:t>
+            </a:r>
+          </a:p>
+          <a:p>
+            <a:r>
+              <a:rPr lang="en-US" altLang="zh-CN" dirty="0">
+                <a:solidFill>
+                  <a:srgbClr val="0000FF"/>
+                </a:solidFill>
+                <a:latin typeface="新宋体" panose="02010609030101010101" pitchFamily="49" charset="-122"/>
+                <a:ea typeface="新宋体" panose="02010609030101010101" pitchFamily="49" charset="-122"/>
+              </a:rPr>
+              <a:t>void</a:t>
+            </a:r>
+            <a:r>
+              <a:rPr lang="en-US" altLang="zh-CN" dirty="0">
+                <a:solidFill>
+                  <a:srgbClr val="000000"/>
+                </a:solidFill>
+                <a:latin typeface="新宋体" panose="02010609030101010101" pitchFamily="49" charset="-122"/>
+                <a:ea typeface="新宋体" panose="02010609030101010101" pitchFamily="49" charset="-122"/>
+              </a:rPr>
+              <a:t> Login();</a:t>
+            </a:r>
+          </a:p>
+          <a:p>
+            <a:r>
+              <a:rPr lang="en-US" altLang="zh-CN" dirty="0">
+                <a:solidFill>
+                  <a:srgbClr val="0000FF"/>
+                </a:solidFill>
+                <a:latin typeface="新宋体" panose="02010609030101010101" pitchFamily="49" charset="-122"/>
+                <a:ea typeface="新宋体" panose="02010609030101010101" pitchFamily="49" charset="-122"/>
+              </a:rPr>
+              <a:t>void</a:t>
+            </a:r>
+            <a:r>
+              <a:rPr lang="en-US" altLang="zh-CN" dirty="0">
+                <a:solidFill>
+                  <a:srgbClr val="000000"/>
+                </a:solidFill>
+                <a:latin typeface="新宋体" panose="02010609030101010101" pitchFamily="49" charset="-122"/>
+                <a:ea typeface="新宋体" panose="02010609030101010101" pitchFamily="49" charset="-122"/>
+              </a:rPr>
+              <a:t> Register();</a:t>
+            </a:r>
+          </a:p>
+          <a:p>
+            <a:r>
+              <a:rPr lang="en-US" altLang="zh-CN" dirty="0">
+                <a:solidFill>
+                  <a:srgbClr val="0000FF"/>
+                </a:solidFill>
+                <a:latin typeface="新宋体" panose="02010609030101010101" pitchFamily="49" charset="-122"/>
+                <a:ea typeface="新宋体" panose="02010609030101010101" pitchFamily="49" charset="-122"/>
+              </a:rPr>
+              <a:t>void</a:t>
+            </a:r>
+            <a:r>
+              <a:rPr lang="en-US" altLang="zh-CN" dirty="0">
+                <a:solidFill>
+                  <a:srgbClr val="000000"/>
+                </a:solidFill>
+                <a:latin typeface="新宋体" panose="02010609030101010101" pitchFamily="49" charset="-122"/>
+                <a:ea typeface="新宋体" panose="02010609030101010101" pitchFamily="49" charset="-122"/>
+              </a:rPr>
+              <a:t> Logout();</a:t>
+            </a:r>
+          </a:p>
+          <a:p>
+            <a:r>
+              <a:rPr lang="en-US" altLang="zh-CN" dirty="0">
+                <a:solidFill>
+                  <a:srgbClr val="0000FF"/>
+                </a:solidFill>
+                <a:latin typeface="新宋体" panose="02010609030101010101" pitchFamily="49" charset="-122"/>
+                <a:ea typeface="新宋体" panose="02010609030101010101" pitchFamily="49" charset="-122"/>
+              </a:rPr>
+              <a:t>void</a:t>
+            </a:r>
+            <a:r>
+              <a:rPr lang="en-US" altLang="zh-CN" dirty="0">
+                <a:solidFill>
+                  <a:srgbClr val="000000"/>
+                </a:solidFill>
+                <a:latin typeface="新宋体" panose="02010609030101010101" pitchFamily="49" charset="-122"/>
+                <a:ea typeface="新宋体" panose="02010609030101010101" pitchFamily="49" charset="-122"/>
+              </a:rPr>
+              <a:t> </a:t>
+            </a:r>
+            <a:r>
+              <a:rPr lang="en-US" altLang="zh-CN" dirty="0" err="1">
+                <a:solidFill>
+                  <a:srgbClr val="000000"/>
+                </a:solidFill>
+                <a:latin typeface="新宋体" panose="02010609030101010101" pitchFamily="49" charset="-122"/>
+                <a:ea typeface="新宋体" panose="02010609030101010101" pitchFamily="49" charset="-122"/>
+              </a:rPr>
+              <a:t>CheckGoods</a:t>
+            </a:r>
+            <a:r>
+              <a:rPr lang="en-US" altLang="zh-CN" dirty="0">
+                <a:solidFill>
+                  <a:srgbClr val="000000"/>
+                </a:solidFill>
+                <a:latin typeface="新宋体" panose="02010609030101010101" pitchFamily="49" charset="-122"/>
+                <a:ea typeface="新宋体" panose="02010609030101010101" pitchFamily="49" charset="-122"/>
+              </a:rPr>
+              <a:t>();</a:t>
+            </a:r>
+          </a:p>
+          <a:p>
+            <a:r>
+              <a:rPr lang="en-US" altLang="zh-CN" dirty="0">
+                <a:solidFill>
+                  <a:srgbClr val="0000FF"/>
+                </a:solidFill>
+                <a:latin typeface="新宋体" panose="02010609030101010101" pitchFamily="49" charset="-122"/>
+                <a:ea typeface="新宋体" panose="02010609030101010101" pitchFamily="49" charset="-122"/>
+              </a:rPr>
+              <a:t>void</a:t>
+            </a:r>
+            <a:r>
+              <a:rPr lang="en-US" altLang="zh-CN" dirty="0">
+                <a:solidFill>
+                  <a:srgbClr val="000000"/>
+                </a:solidFill>
+                <a:latin typeface="新宋体" panose="02010609030101010101" pitchFamily="49" charset="-122"/>
+                <a:ea typeface="新宋体" panose="02010609030101010101" pitchFamily="49" charset="-122"/>
+              </a:rPr>
+              <a:t> </a:t>
+            </a:r>
+            <a:r>
+              <a:rPr lang="en-US" altLang="zh-CN" dirty="0" err="1">
+                <a:solidFill>
+                  <a:srgbClr val="000000"/>
+                </a:solidFill>
+                <a:latin typeface="新宋体" panose="02010609030101010101" pitchFamily="49" charset="-122"/>
+                <a:ea typeface="新宋体" panose="02010609030101010101" pitchFamily="49" charset="-122"/>
+              </a:rPr>
+              <a:t>InquireGoods</a:t>
+            </a:r>
+            <a:r>
+              <a:rPr lang="en-US" altLang="zh-CN" dirty="0">
+                <a:solidFill>
+                  <a:srgbClr val="000000"/>
+                </a:solidFill>
+                <a:latin typeface="新宋体" panose="02010609030101010101" pitchFamily="49" charset="-122"/>
+                <a:ea typeface="新宋体" panose="02010609030101010101" pitchFamily="49" charset="-122"/>
+              </a:rPr>
+              <a:t>();</a:t>
+            </a:r>
+          </a:p>
+          <a:p>
+            <a:r>
+              <a:rPr lang="en-US" altLang="zh-CN" dirty="0">
+                <a:solidFill>
+                  <a:srgbClr val="0000FF"/>
+                </a:solidFill>
+                <a:latin typeface="新宋体" panose="02010609030101010101" pitchFamily="49" charset="-122"/>
+                <a:ea typeface="新宋体" panose="02010609030101010101" pitchFamily="49" charset="-122"/>
+              </a:rPr>
+              <a:t>void</a:t>
+            </a:r>
+            <a:r>
+              <a:rPr lang="en-US" altLang="zh-CN" dirty="0">
+                <a:solidFill>
+                  <a:srgbClr val="000000"/>
+                </a:solidFill>
+                <a:latin typeface="新宋体" panose="02010609030101010101" pitchFamily="49" charset="-122"/>
+                <a:ea typeface="新宋体" panose="02010609030101010101" pitchFamily="49" charset="-122"/>
+              </a:rPr>
+              <a:t> </a:t>
+            </a:r>
+            <a:r>
+              <a:rPr lang="en-US" altLang="zh-CN" dirty="0" err="1">
+                <a:solidFill>
+                  <a:srgbClr val="000000"/>
+                </a:solidFill>
+                <a:latin typeface="新宋体" panose="02010609030101010101" pitchFamily="49" charset="-122"/>
+                <a:ea typeface="新宋体" panose="02010609030101010101" pitchFamily="49" charset="-122"/>
+              </a:rPr>
+              <a:t>FootPrint</a:t>
+            </a:r>
+            <a:r>
+              <a:rPr lang="en-US" altLang="zh-CN" dirty="0">
+                <a:solidFill>
+                  <a:srgbClr val="000000"/>
+                </a:solidFill>
+                <a:latin typeface="新宋体" panose="02010609030101010101" pitchFamily="49" charset="-122"/>
+                <a:ea typeface="新宋体" panose="02010609030101010101" pitchFamily="49" charset="-122"/>
+              </a:rPr>
+              <a:t>();</a:t>
+            </a:r>
+          </a:p>
+          <a:p>
+            <a:r>
+              <a:rPr lang="en-US" altLang="zh-CN" dirty="0">
+                <a:solidFill>
+                  <a:srgbClr val="0000FF"/>
+                </a:solidFill>
+                <a:latin typeface="新宋体" panose="02010609030101010101" pitchFamily="49" charset="-122"/>
+                <a:ea typeface="新宋体" panose="02010609030101010101" pitchFamily="49" charset="-122"/>
+              </a:rPr>
+              <a:t>void</a:t>
+            </a:r>
+            <a:r>
+              <a:rPr lang="en-US" altLang="zh-CN" dirty="0">
+                <a:solidFill>
+                  <a:srgbClr val="000000"/>
+                </a:solidFill>
+                <a:latin typeface="新宋体" panose="02010609030101010101" pitchFamily="49" charset="-122"/>
+                <a:ea typeface="新宋体" panose="02010609030101010101" pitchFamily="49" charset="-122"/>
+              </a:rPr>
+              <a:t> </a:t>
+            </a:r>
+            <a:r>
+              <a:rPr lang="en-US" altLang="zh-CN" dirty="0" err="1">
+                <a:solidFill>
+                  <a:srgbClr val="000000"/>
+                </a:solidFill>
+                <a:latin typeface="新宋体" panose="02010609030101010101" pitchFamily="49" charset="-122"/>
+                <a:ea typeface="新宋体" panose="02010609030101010101" pitchFamily="49" charset="-122"/>
+              </a:rPr>
+              <a:t>AddGoodsToCart</a:t>
+            </a:r>
+            <a:r>
+              <a:rPr lang="en-US" altLang="zh-CN" dirty="0">
+                <a:solidFill>
+                  <a:srgbClr val="000000"/>
+                </a:solidFill>
+                <a:latin typeface="新宋体" panose="02010609030101010101" pitchFamily="49" charset="-122"/>
+                <a:ea typeface="新宋体" panose="02010609030101010101" pitchFamily="49" charset="-122"/>
+              </a:rPr>
+              <a:t>();</a:t>
+            </a:r>
+          </a:p>
+          <a:p>
+            <a:r>
+              <a:rPr lang="en-US" altLang="zh-CN" dirty="0">
+                <a:solidFill>
+                  <a:srgbClr val="0000FF"/>
+                </a:solidFill>
+                <a:latin typeface="新宋体" panose="02010609030101010101" pitchFamily="49" charset="-122"/>
+                <a:ea typeface="新宋体" panose="02010609030101010101" pitchFamily="49" charset="-122"/>
+              </a:rPr>
+              <a:t>void</a:t>
+            </a:r>
+            <a:r>
+              <a:rPr lang="en-US" altLang="zh-CN" dirty="0">
+                <a:solidFill>
+                  <a:srgbClr val="000000"/>
+                </a:solidFill>
+                <a:latin typeface="新宋体" panose="02010609030101010101" pitchFamily="49" charset="-122"/>
+                <a:ea typeface="新宋体" panose="02010609030101010101" pitchFamily="49" charset="-122"/>
+              </a:rPr>
+              <a:t> </a:t>
+            </a:r>
+            <a:r>
+              <a:rPr lang="en-US" altLang="zh-CN" dirty="0" err="1">
+                <a:solidFill>
+                  <a:srgbClr val="000000"/>
+                </a:solidFill>
+                <a:latin typeface="新宋体" panose="02010609030101010101" pitchFamily="49" charset="-122"/>
+                <a:ea typeface="新宋体" panose="02010609030101010101" pitchFamily="49" charset="-122"/>
+              </a:rPr>
+              <a:t>DeleteGoodsInCart</a:t>
+            </a:r>
+            <a:r>
+              <a:rPr lang="en-US" altLang="zh-CN" dirty="0">
+                <a:solidFill>
+                  <a:srgbClr val="000000"/>
+                </a:solidFill>
+                <a:latin typeface="新宋体" panose="02010609030101010101" pitchFamily="49" charset="-122"/>
+                <a:ea typeface="新宋体" panose="02010609030101010101" pitchFamily="49" charset="-122"/>
+              </a:rPr>
+              <a:t>();</a:t>
+            </a:r>
+          </a:p>
+          <a:p>
+            <a:r>
+              <a:rPr lang="en-US" altLang="zh-CN" dirty="0">
+                <a:solidFill>
+                  <a:srgbClr val="0000FF"/>
+                </a:solidFill>
+                <a:latin typeface="新宋体" panose="02010609030101010101" pitchFamily="49" charset="-122"/>
+                <a:ea typeface="新宋体" panose="02010609030101010101" pitchFamily="49" charset="-122"/>
+              </a:rPr>
+              <a:t>void</a:t>
+            </a:r>
+            <a:r>
+              <a:rPr lang="en-US" altLang="zh-CN" dirty="0">
+                <a:solidFill>
+                  <a:srgbClr val="000000"/>
+                </a:solidFill>
+                <a:latin typeface="新宋体" panose="02010609030101010101" pitchFamily="49" charset="-122"/>
+                <a:ea typeface="新宋体" panose="02010609030101010101" pitchFamily="49" charset="-122"/>
+              </a:rPr>
+              <a:t> </a:t>
+            </a:r>
+            <a:r>
+              <a:rPr lang="en-US" altLang="zh-CN" dirty="0" err="1">
+                <a:solidFill>
+                  <a:srgbClr val="000000"/>
+                </a:solidFill>
+                <a:latin typeface="新宋体" panose="02010609030101010101" pitchFamily="49" charset="-122"/>
+                <a:ea typeface="新宋体" panose="02010609030101010101" pitchFamily="49" charset="-122"/>
+              </a:rPr>
+              <a:t>CheckCart</a:t>
+            </a:r>
+            <a:r>
+              <a:rPr lang="en-US" altLang="zh-CN" dirty="0">
+                <a:solidFill>
+                  <a:srgbClr val="000000"/>
+                </a:solidFill>
+                <a:latin typeface="新宋体" panose="02010609030101010101" pitchFamily="49" charset="-122"/>
+                <a:ea typeface="新宋体" panose="02010609030101010101" pitchFamily="49" charset="-122"/>
+              </a:rPr>
+              <a:t>();</a:t>
+            </a:r>
+          </a:p>
+          <a:p>
+            <a:r>
+              <a:rPr lang="en-US" altLang="zh-CN" dirty="0">
+                <a:solidFill>
+                  <a:srgbClr val="0000FF"/>
+                </a:solidFill>
+                <a:latin typeface="新宋体" panose="02010609030101010101" pitchFamily="49" charset="-122"/>
+                <a:ea typeface="新宋体" panose="02010609030101010101" pitchFamily="49" charset="-122"/>
+              </a:rPr>
+              <a:t>void</a:t>
+            </a:r>
+            <a:r>
+              <a:rPr lang="en-US" altLang="zh-CN" dirty="0">
+                <a:solidFill>
+                  <a:srgbClr val="000000"/>
+                </a:solidFill>
+                <a:latin typeface="新宋体" panose="02010609030101010101" pitchFamily="49" charset="-122"/>
+                <a:ea typeface="新宋体" panose="02010609030101010101" pitchFamily="49" charset="-122"/>
+              </a:rPr>
+              <a:t> </a:t>
+            </a:r>
+            <a:r>
+              <a:rPr lang="en-US" altLang="zh-CN" dirty="0" err="1">
+                <a:solidFill>
+                  <a:srgbClr val="000000"/>
+                </a:solidFill>
+                <a:latin typeface="新宋体" panose="02010609030101010101" pitchFamily="49" charset="-122"/>
+                <a:ea typeface="新宋体" panose="02010609030101010101" pitchFamily="49" charset="-122"/>
+              </a:rPr>
+              <a:t>SettleAmounts</a:t>
+            </a:r>
+            <a:r>
+              <a:rPr lang="en-US" altLang="zh-CN" dirty="0">
+                <a:solidFill>
+                  <a:srgbClr val="000000"/>
+                </a:solidFill>
+                <a:latin typeface="新宋体" panose="02010609030101010101" pitchFamily="49" charset="-122"/>
+                <a:ea typeface="新宋体" panose="02010609030101010101" pitchFamily="49" charset="-122"/>
+              </a:rPr>
+              <a:t>();</a:t>
+            </a:r>
+          </a:p>
+          <a:p>
+            <a:r>
+              <a:rPr lang="en-US" altLang="zh-CN" dirty="0">
+                <a:solidFill>
+                  <a:srgbClr val="0000FF"/>
+                </a:solidFill>
+                <a:latin typeface="新宋体" panose="02010609030101010101" pitchFamily="49" charset="-122"/>
+                <a:ea typeface="新宋体" panose="02010609030101010101" pitchFamily="49" charset="-122"/>
+              </a:rPr>
+              <a:t>void</a:t>
+            </a:r>
+            <a:r>
+              <a:rPr lang="en-US" altLang="zh-CN" dirty="0">
+                <a:solidFill>
+                  <a:srgbClr val="000000"/>
+                </a:solidFill>
+                <a:latin typeface="新宋体" panose="02010609030101010101" pitchFamily="49" charset="-122"/>
+                <a:ea typeface="新宋体" panose="02010609030101010101" pitchFamily="49" charset="-122"/>
+              </a:rPr>
+              <a:t> Order();</a:t>
+            </a:r>
+          </a:p>
+          <a:p>
+            <a:r>
+              <a:rPr lang="en-US" altLang="zh-CN" dirty="0">
+                <a:solidFill>
+                  <a:srgbClr val="000000"/>
+                </a:solidFill>
+                <a:latin typeface="新宋体" panose="02010609030101010101" pitchFamily="49" charset="-122"/>
+                <a:ea typeface="新宋体" panose="02010609030101010101" pitchFamily="49" charset="-122"/>
+              </a:rPr>
+              <a:t>};</a:t>
+            </a:r>
+          </a:p>
+        </p:txBody>
+      </p:sp>
+      <p:sp>
+        <p:nvSpPr>
+          <p:cNvPr id="6" name="矩形 5">
+            <a:extLst>
+              <a:ext uri="{FF2B5EF4-FFF2-40B4-BE49-F238E27FC236}">
+                <a16:creationId xmlns:a16="http://schemas.microsoft.com/office/drawing/2014/main" id="{1851F5CC-256D-4985-A28B-D533F761188C}"/>
+              </a:ext>
+            </a:extLst>
+          </p:cNvPr>
+          <p:cNvSpPr/>
+          <p:nvPr/>
+        </p:nvSpPr>
+        <p:spPr>
+          <a:xfrm>
+            <a:off x="8249920" y="995184"/>
+            <a:ext cx="6096000" cy="4801314"/>
+          </a:xfrm>
+          <a:prstGeom prst="rect">
+            <a:avLst/>
+          </a:prstGeom>
+        </p:spPr>
+        <p:txBody>
+          <a:bodyPr>
+            <a:spAutoFit/>
+          </a:bodyPr>
+          <a:lstStyle/>
+          <a:p>
+            <a:r>
+              <a:rPr lang="en-US" altLang="zh-CN" dirty="0">
+                <a:solidFill>
+                  <a:srgbClr val="0000FF"/>
+                </a:solidFill>
+                <a:latin typeface="新宋体" panose="02010609030101010101" pitchFamily="49" charset="-122"/>
+                <a:ea typeface="新宋体" panose="02010609030101010101" pitchFamily="49" charset="-122"/>
+              </a:rPr>
+              <a:t>struct</a:t>
+            </a:r>
+            <a:r>
+              <a:rPr lang="en-US" altLang="zh-CN" dirty="0">
+                <a:solidFill>
+                  <a:srgbClr val="000000"/>
+                </a:solidFill>
+                <a:latin typeface="新宋体" panose="02010609030101010101" pitchFamily="49" charset="-122"/>
+                <a:ea typeface="新宋体" panose="02010609030101010101" pitchFamily="49" charset="-122"/>
+              </a:rPr>
+              <a:t> </a:t>
+            </a:r>
+            <a:r>
+              <a:rPr lang="en-US" altLang="zh-CN" dirty="0" err="1">
+                <a:solidFill>
+                  <a:srgbClr val="2B91AF"/>
+                </a:solidFill>
+                <a:latin typeface="新宋体" panose="02010609030101010101" pitchFamily="49" charset="-122"/>
+                <a:ea typeface="新宋体" panose="02010609030101010101" pitchFamily="49" charset="-122"/>
+              </a:rPr>
+              <a:t>GoodsList</a:t>
+            </a:r>
+            <a:r>
+              <a:rPr lang="en-US" altLang="zh-CN" dirty="0">
+                <a:solidFill>
+                  <a:srgbClr val="000000"/>
+                </a:solidFill>
+                <a:latin typeface="新宋体" panose="02010609030101010101" pitchFamily="49" charset="-122"/>
+                <a:ea typeface="新宋体" panose="02010609030101010101" pitchFamily="49" charset="-122"/>
+              </a:rPr>
+              <a:t> </a:t>
+            </a:r>
+          </a:p>
+          <a:p>
+            <a:r>
+              <a:rPr lang="en-US" altLang="zh-CN" dirty="0">
+                <a:solidFill>
+                  <a:srgbClr val="000000"/>
+                </a:solidFill>
+                <a:latin typeface="新宋体" panose="02010609030101010101" pitchFamily="49" charset="-122"/>
+                <a:ea typeface="新宋体" panose="02010609030101010101" pitchFamily="49" charset="-122"/>
+              </a:rPr>
+              <a:t>{</a:t>
+            </a:r>
+          </a:p>
+          <a:p>
+            <a:r>
+              <a:rPr lang="en-US" altLang="zh-CN" dirty="0">
+                <a:solidFill>
+                  <a:srgbClr val="2B91AF"/>
+                </a:solidFill>
+                <a:latin typeface="新宋体" panose="02010609030101010101" pitchFamily="49" charset="-122"/>
+                <a:ea typeface="新宋体" panose="02010609030101010101" pitchFamily="49" charset="-122"/>
+              </a:rPr>
+              <a:t>string</a:t>
+            </a:r>
+            <a:r>
+              <a:rPr lang="en-US" altLang="zh-CN" dirty="0">
+                <a:solidFill>
+                  <a:srgbClr val="000000"/>
+                </a:solidFill>
+                <a:latin typeface="新宋体" panose="02010609030101010101" pitchFamily="49" charset="-122"/>
+                <a:ea typeface="新宋体" panose="02010609030101010101" pitchFamily="49" charset="-122"/>
+              </a:rPr>
+              <a:t> ID;</a:t>
+            </a:r>
+          </a:p>
+          <a:p>
+            <a:r>
+              <a:rPr lang="en-US" altLang="zh-CN" dirty="0">
+                <a:solidFill>
+                  <a:srgbClr val="2B91AF"/>
+                </a:solidFill>
+                <a:latin typeface="新宋体" panose="02010609030101010101" pitchFamily="49" charset="-122"/>
+                <a:ea typeface="新宋体" panose="02010609030101010101" pitchFamily="49" charset="-122"/>
+              </a:rPr>
+              <a:t>string</a:t>
+            </a:r>
+            <a:r>
+              <a:rPr lang="en-US" altLang="zh-CN" dirty="0">
+                <a:solidFill>
+                  <a:srgbClr val="000000"/>
+                </a:solidFill>
+                <a:latin typeface="新宋体" panose="02010609030101010101" pitchFamily="49" charset="-122"/>
+                <a:ea typeface="新宋体" panose="02010609030101010101" pitchFamily="49" charset="-122"/>
+              </a:rPr>
+              <a:t> name;</a:t>
+            </a:r>
+          </a:p>
+          <a:p>
+            <a:r>
+              <a:rPr lang="en-US" altLang="zh-CN" dirty="0">
+                <a:solidFill>
+                  <a:srgbClr val="2B91AF"/>
+                </a:solidFill>
+                <a:latin typeface="新宋体" panose="02010609030101010101" pitchFamily="49" charset="-122"/>
+                <a:ea typeface="新宋体" panose="02010609030101010101" pitchFamily="49" charset="-122"/>
+              </a:rPr>
+              <a:t>string</a:t>
+            </a:r>
+            <a:r>
+              <a:rPr lang="en-US" altLang="zh-CN" dirty="0">
+                <a:solidFill>
+                  <a:srgbClr val="000000"/>
+                </a:solidFill>
+                <a:latin typeface="新宋体" panose="02010609030101010101" pitchFamily="49" charset="-122"/>
+                <a:ea typeface="新宋体" panose="02010609030101010101" pitchFamily="49" charset="-122"/>
+              </a:rPr>
+              <a:t> brand;</a:t>
+            </a:r>
+          </a:p>
+          <a:p>
+            <a:r>
+              <a:rPr lang="en-US" altLang="zh-CN" dirty="0">
+                <a:solidFill>
+                  <a:srgbClr val="2B91AF"/>
+                </a:solidFill>
+                <a:latin typeface="新宋体" panose="02010609030101010101" pitchFamily="49" charset="-122"/>
+                <a:ea typeface="新宋体" panose="02010609030101010101" pitchFamily="49" charset="-122"/>
+              </a:rPr>
+              <a:t>string</a:t>
+            </a:r>
+            <a:r>
+              <a:rPr lang="en-US" altLang="zh-CN" dirty="0">
+                <a:solidFill>
+                  <a:srgbClr val="000000"/>
+                </a:solidFill>
+                <a:latin typeface="新宋体" panose="02010609030101010101" pitchFamily="49" charset="-122"/>
+                <a:ea typeface="新宋体" panose="02010609030101010101" pitchFamily="49" charset="-122"/>
+              </a:rPr>
+              <a:t> price;</a:t>
+            </a:r>
+          </a:p>
+          <a:p>
+            <a:r>
+              <a:rPr lang="en-US" altLang="zh-CN" dirty="0">
+                <a:solidFill>
+                  <a:srgbClr val="2B91AF"/>
+                </a:solidFill>
+                <a:latin typeface="新宋体" panose="02010609030101010101" pitchFamily="49" charset="-122"/>
+                <a:ea typeface="新宋体" panose="02010609030101010101" pitchFamily="49" charset="-122"/>
+              </a:rPr>
+              <a:t>string</a:t>
+            </a:r>
+            <a:r>
+              <a:rPr lang="en-US" altLang="zh-CN" dirty="0">
+                <a:solidFill>
+                  <a:srgbClr val="000000"/>
+                </a:solidFill>
+                <a:latin typeface="新宋体" panose="02010609030101010101" pitchFamily="49" charset="-122"/>
+                <a:ea typeface="新宋体" panose="02010609030101010101" pitchFamily="49" charset="-122"/>
+              </a:rPr>
+              <a:t> num;</a:t>
+            </a:r>
+          </a:p>
+          <a:p>
+            <a:r>
+              <a:rPr lang="en-US" altLang="zh-CN" dirty="0">
+                <a:solidFill>
+                  <a:srgbClr val="000000"/>
+                </a:solidFill>
+                <a:latin typeface="新宋体" panose="02010609030101010101" pitchFamily="49" charset="-122"/>
+                <a:ea typeface="新宋体" panose="02010609030101010101" pitchFamily="49" charset="-122"/>
+              </a:rPr>
+              <a:t>};</a:t>
+            </a:r>
+          </a:p>
+          <a:p>
+            <a:r>
+              <a:rPr lang="en-US" altLang="zh-CN" dirty="0">
+                <a:solidFill>
+                  <a:srgbClr val="0000FF"/>
+                </a:solidFill>
+                <a:latin typeface="新宋体" panose="02010609030101010101" pitchFamily="49" charset="-122"/>
+                <a:ea typeface="新宋体" panose="02010609030101010101" pitchFamily="49" charset="-122"/>
+              </a:rPr>
+              <a:t>class</a:t>
+            </a:r>
+            <a:r>
+              <a:rPr lang="en-US" altLang="zh-CN" dirty="0">
+                <a:solidFill>
+                  <a:srgbClr val="000000"/>
+                </a:solidFill>
+                <a:latin typeface="新宋体" panose="02010609030101010101" pitchFamily="49" charset="-122"/>
+                <a:ea typeface="新宋体" panose="02010609030101010101" pitchFamily="49" charset="-122"/>
+              </a:rPr>
+              <a:t> </a:t>
+            </a:r>
+            <a:r>
+              <a:rPr lang="en-US" altLang="zh-CN" dirty="0">
+                <a:solidFill>
+                  <a:srgbClr val="2B91AF"/>
+                </a:solidFill>
+                <a:latin typeface="新宋体" panose="02010609030101010101" pitchFamily="49" charset="-122"/>
+                <a:ea typeface="新宋体" panose="02010609030101010101" pitchFamily="49" charset="-122"/>
+              </a:rPr>
+              <a:t>Goods</a:t>
+            </a:r>
+            <a:endParaRPr lang="en-US" altLang="zh-CN" dirty="0">
+              <a:solidFill>
+                <a:srgbClr val="000000"/>
+              </a:solidFill>
+              <a:latin typeface="新宋体" panose="02010609030101010101" pitchFamily="49" charset="-122"/>
+              <a:ea typeface="新宋体" panose="02010609030101010101" pitchFamily="49" charset="-122"/>
+            </a:endParaRPr>
+          </a:p>
+          <a:p>
+            <a:r>
+              <a:rPr lang="en-US" altLang="zh-CN" dirty="0">
+                <a:solidFill>
+                  <a:srgbClr val="000000"/>
+                </a:solidFill>
+                <a:latin typeface="新宋体" panose="02010609030101010101" pitchFamily="49" charset="-122"/>
+                <a:ea typeface="新宋体" panose="02010609030101010101" pitchFamily="49" charset="-122"/>
+              </a:rPr>
+              <a:t>{</a:t>
+            </a:r>
+          </a:p>
+          <a:p>
+            <a:r>
+              <a:rPr lang="en-US" altLang="zh-CN" dirty="0" err="1">
+                <a:solidFill>
+                  <a:srgbClr val="0000FF"/>
+                </a:solidFill>
+                <a:latin typeface="新宋体" panose="02010609030101010101" pitchFamily="49" charset="-122"/>
+                <a:ea typeface="新宋体" panose="02010609030101010101" pitchFamily="49" charset="-122"/>
+              </a:rPr>
+              <a:t>private</a:t>
+            </a:r>
+            <a:r>
+              <a:rPr lang="en-US" altLang="zh-CN" dirty="0" err="1">
+                <a:solidFill>
+                  <a:srgbClr val="000000"/>
+                </a:solidFill>
+                <a:latin typeface="新宋体" panose="02010609030101010101" pitchFamily="49" charset="-122"/>
+                <a:ea typeface="新宋体" panose="02010609030101010101" pitchFamily="49" charset="-122"/>
+              </a:rPr>
+              <a:t>:</a:t>
+            </a:r>
+            <a:r>
+              <a:rPr lang="en-US" altLang="zh-CN" dirty="0" err="1">
+                <a:solidFill>
+                  <a:srgbClr val="2B91AF"/>
+                </a:solidFill>
+                <a:latin typeface="新宋体" panose="02010609030101010101" pitchFamily="49" charset="-122"/>
+                <a:ea typeface="新宋体" panose="02010609030101010101" pitchFamily="49" charset="-122"/>
+              </a:rPr>
+              <a:t>vector</a:t>
+            </a:r>
+            <a:r>
+              <a:rPr lang="en-US" altLang="zh-CN" dirty="0">
+                <a:solidFill>
+                  <a:srgbClr val="000000"/>
+                </a:solidFill>
+                <a:latin typeface="新宋体" panose="02010609030101010101" pitchFamily="49" charset="-122"/>
+                <a:ea typeface="新宋体" panose="02010609030101010101" pitchFamily="49" charset="-122"/>
+              </a:rPr>
+              <a:t>&lt;</a:t>
+            </a:r>
+            <a:r>
+              <a:rPr lang="en-US" altLang="zh-CN" dirty="0" err="1">
+                <a:solidFill>
+                  <a:srgbClr val="2B91AF"/>
+                </a:solidFill>
+                <a:latin typeface="新宋体" panose="02010609030101010101" pitchFamily="49" charset="-122"/>
+                <a:ea typeface="新宋体" panose="02010609030101010101" pitchFamily="49" charset="-122"/>
+              </a:rPr>
+              <a:t>GoodsList</a:t>
+            </a:r>
+            <a:r>
+              <a:rPr lang="en-US" altLang="zh-CN" dirty="0">
+                <a:solidFill>
+                  <a:srgbClr val="000000"/>
+                </a:solidFill>
+                <a:latin typeface="新宋体" panose="02010609030101010101" pitchFamily="49" charset="-122"/>
+                <a:ea typeface="新宋体" panose="02010609030101010101" pitchFamily="49" charset="-122"/>
+              </a:rPr>
+              <a:t>&gt; goods;</a:t>
+            </a:r>
+          </a:p>
+          <a:p>
+            <a:r>
+              <a:rPr lang="en-US" altLang="zh-CN" dirty="0">
+                <a:solidFill>
+                  <a:srgbClr val="2B91AF"/>
+                </a:solidFill>
+                <a:latin typeface="新宋体" panose="02010609030101010101" pitchFamily="49" charset="-122"/>
+                <a:ea typeface="新宋体" panose="02010609030101010101" pitchFamily="49" charset="-122"/>
+              </a:rPr>
+              <a:t>vector</a:t>
+            </a:r>
+            <a:r>
+              <a:rPr lang="en-US" altLang="zh-CN" dirty="0">
+                <a:solidFill>
+                  <a:srgbClr val="000000"/>
+                </a:solidFill>
+                <a:latin typeface="新宋体" panose="02010609030101010101" pitchFamily="49" charset="-122"/>
+                <a:ea typeface="新宋体" panose="02010609030101010101" pitchFamily="49" charset="-122"/>
+              </a:rPr>
+              <a:t>&lt;</a:t>
+            </a:r>
+            <a:r>
+              <a:rPr lang="en-US" altLang="zh-CN" dirty="0" err="1">
+                <a:solidFill>
+                  <a:srgbClr val="2B91AF"/>
+                </a:solidFill>
+                <a:latin typeface="新宋体" panose="02010609030101010101" pitchFamily="49" charset="-122"/>
+                <a:ea typeface="新宋体" panose="02010609030101010101" pitchFamily="49" charset="-122"/>
+              </a:rPr>
+              <a:t>GoodsList</a:t>
+            </a:r>
+            <a:r>
+              <a:rPr lang="en-US" altLang="zh-CN" dirty="0">
+                <a:solidFill>
+                  <a:srgbClr val="000000"/>
+                </a:solidFill>
+                <a:latin typeface="新宋体" panose="02010609030101010101" pitchFamily="49" charset="-122"/>
+                <a:ea typeface="新宋体" panose="02010609030101010101" pitchFamily="49" charset="-122"/>
+              </a:rPr>
+              <a:t>&gt;</a:t>
+            </a:r>
+            <a:r>
+              <a:rPr lang="en-US" altLang="zh-CN" dirty="0" err="1">
+                <a:solidFill>
+                  <a:srgbClr val="000000"/>
+                </a:solidFill>
+                <a:latin typeface="新宋体" panose="02010609030101010101" pitchFamily="49" charset="-122"/>
+                <a:ea typeface="新宋体" panose="02010609030101010101" pitchFamily="49" charset="-122"/>
+              </a:rPr>
+              <a:t>sellList</a:t>
+            </a:r>
+            <a:r>
+              <a:rPr lang="en-US" altLang="zh-CN" dirty="0">
+                <a:solidFill>
+                  <a:srgbClr val="000000"/>
+                </a:solidFill>
+                <a:latin typeface="新宋体" panose="02010609030101010101" pitchFamily="49" charset="-122"/>
+                <a:ea typeface="新宋体" panose="02010609030101010101" pitchFamily="49" charset="-122"/>
+              </a:rPr>
+              <a:t>;</a:t>
+            </a:r>
+          </a:p>
+          <a:p>
+            <a:r>
+              <a:rPr lang="en-US" altLang="zh-CN" dirty="0">
+                <a:solidFill>
+                  <a:srgbClr val="2B91AF"/>
+                </a:solidFill>
+                <a:latin typeface="新宋体" panose="02010609030101010101" pitchFamily="49" charset="-122"/>
+                <a:ea typeface="新宋体" panose="02010609030101010101" pitchFamily="49" charset="-122"/>
+              </a:rPr>
+              <a:t>vector</a:t>
+            </a:r>
+            <a:r>
+              <a:rPr lang="en-US" altLang="zh-CN" dirty="0">
+                <a:solidFill>
+                  <a:srgbClr val="000000"/>
+                </a:solidFill>
+                <a:latin typeface="新宋体" panose="02010609030101010101" pitchFamily="49" charset="-122"/>
+                <a:ea typeface="新宋体" panose="02010609030101010101" pitchFamily="49" charset="-122"/>
+              </a:rPr>
+              <a:t>&lt;</a:t>
+            </a:r>
+            <a:r>
+              <a:rPr lang="en-US" altLang="zh-CN" dirty="0">
+                <a:solidFill>
+                  <a:srgbClr val="2B91AF"/>
+                </a:solidFill>
+                <a:latin typeface="新宋体" panose="02010609030101010101" pitchFamily="49" charset="-122"/>
+                <a:ea typeface="新宋体" panose="02010609030101010101" pitchFamily="49" charset="-122"/>
+              </a:rPr>
+              <a:t>vector</a:t>
+            </a:r>
+            <a:r>
+              <a:rPr lang="en-US" altLang="zh-CN" dirty="0">
+                <a:solidFill>
+                  <a:srgbClr val="000000"/>
+                </a:solidFill>
+                <a:latin typeface="新宋体" panose="02010609030101010101" pitchFamily="49" charset="-122"/>
+                <a:ea typeface="新宋体" panose="02010609030101010101" pitchFamily="49" charset="-122"/>
+              </a:rPr>
+              <a:t>&lt;</a:t>
+            </a:r>
+            <a:r>
+              <a:rPr lang="en-US" altLang="zh-CN" dirty="0" err="1">
+                <a:solidFill>
+                  <a:srgbClr val="2B91AF"/>
+                </a:solidFill>
+                <a:latin typeface="新宋体" panose="02010609030101010101" pitchFamily="49" charset="-122"/>
+                <a:ea typeface="新宋体" panose="02010609030101010101" pitchFamily="49" charset="-122"/>
+              </a:rPr>
+              <a:t>GoodsList</a:t>
+            </a:r>
+            <a:r>
+              <a:rPr lang="en-US" altLang="zh-CN" dirty="0">
+                <a:solidFill>
+                  <a:srgbClr val="000000"/>
+                </a:solidFill>
+                <a:latin typeface="新宋体" panose="02010609030101010101" pitchFamily="49" charset="-122"/>
+                <a:ea typeface="新宋体" panose="02010609030101010101" pitchFamily="49" charset="-122"/>
+              </a:rPr>
+              <a:t>&gt;&gt;cart;</a:t>
+            </a:r>
+          </a:p>
+          <a:p>
+            <a:r>
+              <a:rPr lang="en-US" altLang="zh-CN" dirty="0">
+                <a:solidFill>
+                  <a:srgbClr val="0000FF"/>
+                </a:solidFill>
+                <a:latin typeface="新宋体" panose="02010609030101010101" pitchFamily="49" charset="-122"/>
+                <a:ea typeface="新宋体" panose="02010609030101010101" pitchFamily="49" charset="-122"/>
+              </a:rPr>
+              <a:t>public</a:t>
+            </a:r>
+            <a:r>
+              <a:rPr lang="en-US" altLang="zh-CN" dirty="0">
+                <a:solidFill>
+                  <a:srgbClr val="000000"/>
+                </a:solidFill>
+                <a:latin typeface="新宋体" panose="02010609030101010101" pitchFamily="49" charset="-122"/>
+                <a:ea typeface="新宋体" panose="02010609030101010101" pitchFamily="49" charset="-122"/>
+              </a:rPr>
+              <a:t>:</a:t>
+            </a:r>
+          </a:p>
+          <a:p>
+            <a:r>
+              <a:rPr lang="en-US" altLang="zh-CN" dirty="0">
+                <a:solidFill>
+                  <a:srgbClr val="000000"/>
+                </a:solidFill>
+                <a:latin typeface="新宋体" panose="02010609030101010101" pitchFamily="49" charset="-122"/>
+                <a:ea typeface="新宋体" panose="02010609030101010101" pitchFamily="49" charset="-122"/>
+              </a:rPr>
+              <a:t>Goods();</a:t>
+            </a:r>
+          </a:p>
+          <a:p>
+            <a:r>
+              <a:rPr lang="en-US" altLang="zh-CN" dirty="0">
+                <a:solidFill>
+                  <a:srgbClr val="000000"/>
+                </a:solidFill>
+                <a:latin typeface="新宋体" panose="02010609030101010101" pitchFamily="49" charset="-122"/>
+                <a:ea typeface="新宋体" panose="02010609030101010101" pitchFamily="49" charset="-122"/>
+              </a:rPr>
+              <a:t>~Goods();</a:t>
+            </a:r>
+          </a:p>
+          <a:p>
+            <a:r>
+              <a:rPr lang="en-US" altLang="zh-CN" dirty="0">
+                <a:solidFill>
+                  <a:srgbClr val="000000"/>
+                </a:solidFill>
+                <a:latin typeface="新宋体" panose="02010609030101010101" pitchFamily="49" charset="-122"/>
+                <a:ea typeface="新宋体" panose="02010609030101010101" pitchFamily="49" charset="-122"/>
+              </a:rPr>
+              <a:t>};</a:t>
+            </a:r>
+          </a:p>
+        </p:txBody>
+      </p:sp>
+    </p:spTree>
+    <p:extLst>
+      <p:ext uri="{BB962C8B-B14F-4D97-AF65-F5344CB8AC3E}">
+        <p14:creationId xmlns:p14="http://schemas.microsoft.com/office/powerpoint/2010/main" val="3100004747"/>
       </p:ext>
     </p:extLst>
   </p:cSld>
@@ -4463,4 +8388,299 @@
     </a:ext>
   </a:extLst>
 </a:theme>
+</file>
+
+<file path=ppt/theme/theme2.xml><?xml version="1.0" encoding="utf-8"?>
+<a:theme xmlns:a="http://schemas.openxmlformats.org/drawingml/2006/main" name="Office 主题​​">
+  <a:themeElements>
+    <a:clrScheme name="Office">
+      <a:dk1>
+        <a:sysClr val="windowText" lastClr="000000"/>
+      </a:dk1>
+      <a:lt1>
+        <a:sysClr val="window" lastClr="FFFFFF"/>
+      </a:lt1>
+      <a:dk2>
+        <a:srgbClr val="44546A"/>
+      </a:dk2>
+      <a:lt2>
+        <a:srgbClr val="E7E6E6"/>
+      </a:lt2>
+      <a:accent1>
+        <a:srgbClr val="4472C4"/>
+      </a:accent1>
+      <a:accent2>
+        <a:srgbClr val="ED7D31"/>
+      </a:accent2>
+      <a:accent3>
+        <a:srgbClr val="A5A5A5"/>
+      </a:accent3>
+      <a:accent4>
+        <a:srgbClr val="FFC000"/>
+      </a:accent4>
+      <a:accent5>
+        <a:srgbClr val="5B9BD5"/>
+      </a:accent5>
+      <a:accent6>
+        <a:srgbClr val="70AD47"/>
+      </a:accent6>
+      <a:hlink>
+        <a:srgbClr val="0563C1"/>
+      </a:hlink>
+      <a:folHlink>
+        <a:srgbClr val="954F72"/>
+      </a:folHlink>
+    </a:clrScheme>
+    <a:fontScheme name="Office">
+      <a:majorFont>
+        <a:latin typeface="等线 Light" panose="020F0302020204030204"/>
+        <a:ea typeface=""/>
+        <a:cs typeface=""/>
+        <a:font script="Jpan" typeface="游ゴシック Light"/>
+        <a:font script="Hang" typeface="맑은 고딕"/>
+        <a:font script="Hans" typeface="等线 Light"/>
+        <a:font script="Hant" typeface="新細明體"/>
+        <a:font script="Arab" typeface="Times New Roman"/>
+        <a:font script="Hebr" typeface="Times New Roman"/>
+        <a:font script="Thai" typeface="Angsana New"/>
+        <a:font script="Ethi" typeface="Nyala"/>
+        <a:font script="Beng" typeface="Vrinda"/>
+        <a:font script="Gujr" typeface="Shruti"/>
+        <a:font script="Khmr" typeface="MoolBoran"/>
+        <a:font script="Knda" typeface="Tunga"/>
+        <a:font script="Guru" typeface="Raavi"/>
+        <a:font script="Cans" typeface="Euphemia"/>
+        <a:font script="Cher" typeface="Plantagenet Cherokee"/>
+        <a:font script="Yiii" typeface="Microsoft Yi Baiti"/>
+        <a:font script="Tibt" typeface="Microsoft Himalaya"/>
+        <a:font script="Thaa" typeface="MV Boli"/>
+        <a:font script="Deva" typeface="Mangal"/>
+        <a:font script="Telu" typeface="Gautami"/>
+        <a:font script="Taml" typeface="Latha"/>
+        <a:font script="Syrc" typeface="Estrangelo Edessa"/>
+        <a:font script="Orya" typeface="Kalinga"/>
+        <a:font script="Mlym" typeface="Kartika"/>
+        <a:font script="Laoo" typeface="DokChampa"/>
+        <a:font script="Sinh" typeface="Iskoola Pota"/>
+        <a:font script="Mong" typeface="Mongolian Baiti"/>
+        <a:font script="Viet" typeface="Times New Roman"/>
+        <a:font script="Uigh" typeface="Microsoft Uighur"/>
+        <a:font script="Geor" typeface="Sylfaen"/>
+        <a:font script="Armn" typeface="Arial"/>
+        <a:font script="Bugi" typeface="Leelawadee UI"/>
+        <a:font script="Bopo" typeface="Microsoft JhengHei"/>
+        <a:font script="Java" typeface="Javanese Text"/>
+        <a:font script="Lisu" typeface="Segoe UI"/>
+        <a:font script="Mymr" typeface="Myanmar Text"/>
+        <a:font script="Nkoo" typeface="Ebrima"/>
+        <a:font script="Olck" typeface="Nirmala UI"/>
+        <a:font script="Osma" typeface="Ebrima"/>
+        <a:font script="Phag" typeface="Phagspa"/>
+        <a:font script="Syrn" typeface="Estrangelo Edessa"/>
+        <a:font script="Syrj" typeface="Estrangelo Edessa"/>
+        <a:font script="Syre" typeface="Estrangelo Edessa"/>
+        <a:font script="Sora" typeface="Nirmala UI"/>
+        <a:font script="Tale" typeface="Microsoft Tai Le"/>
+        <a:font script="Talu" typeface="Microsoft New Tai Lue"/>
+        <a:font script="Tfng" typeface="Ebrima"/>
+      </a:majorFont>
+      <a:minorFont>
+        <a:latin typeface="等线" panose="020F0502020204030204"/>
+        <a:ea typeface=""/>
+        <a:cs typeface=""/>
+        <a:font script="Jpan" typeface="游ゴシック"/>
+        <a:font script="Hang" typeface="맑은 고딕"/>
+        <a:font script="Hans" typeface="等线"/>
+        <a:font script="Hant" typeface="新細明體"/>
+        <a:font script="Arab" typeface="Arial"/>
+        <a:font script="Hebr" typeface="Arial"/>
+        <a:font script="Thai" typeface="Cordia New"/>
+        <a:font script="Ethi" typeface="Nyala"/>
+        <a:font script="Beng" typeface="Vrinda"/>
+        <a:font script="Gujr" typeface="Shruti"/>
+        <a:font script="Khmr" typeface="DaunPenh"/>
+        <a:font script="Knda" typeface="Tunga"/>
+        <a:font script="Guru" typeface="Raavi"/>
+        <a:font script="Cans" typeface="Euphemia"/>
+        <a:font script="Cher" typeface="Plantagenet Cherokee"/>
+        <a:font script="Yiii" typeface="Microsoft Yi Baiti"/>
+        <a:font script="Tibt" typeface="Microsoft Himalaya"/>
+        <a:font script="Thaa" typeface="MV Boli"/>
+        <a:font script="Deva" typeface="Mangal"/>
+        <a:font script="Telu" typeface="Gautami"/>
+        <a:font script="Taml" typeface="Latha"/>
+        <a:font script="Syrc" typeface="Estrangelo Edessa"/>
+        <a:font script="Orya" typeface="Kalinga"/>
+        <a:font script="Mlym" typeface="Kartika"/>
+        <a:font script="Laoo" typeface="DokChampa"/>
+        <a:font script="Sinh" typeface="Iskoola Pota"/>
+        <a:font script="Mong" typeface="Mongolian Baiti"/>
+        <a:font script="Viet" typeface="Arial"/>
+        <a:font script="Uigh" typeface="Microsoft Uighur"/>
+        <a:font script="Geor" typeface="Sylfaen"/>
+        <a:font script="Armn" typeface="Arial"/>
+        <a:font script="Bugi" typeface="Leelawadee UI"/>
+        <a:font script="Bopo" typeface="Microsoft JhengHei"/>
+        <a:font script="Java" typeface="Javanese Text"/>
+        <a:font script="Lisu" typeface="Segoe UI"/>
+        <a:font script="Mymr" typeface="Myanmar Text"/>
+        <a:font script="Nkoo" typeface="Ebrima"/>
+        <a:font script="Olck" typeface="Nirmala UI"/>
+        <a:font script="Osma" typeface="Ebrima"/>
+        <a:font script="Phag" typeface="Phagspa"/>
+        <a:font script="Syrn" typeface="Estrangelo Edessa"/>
+        <a:font script="Syrj" typeface="Estrangelo Edessa"/>
+        <a:font script="Syre" typeface="Estrangelo Edessa"/>
+        <a:font script="Sora" typeface="Nirmala UI"/>
+        <a:font script="Tale" typeface="Microsoft Tai Le"/>
+        <a:font script="Talu" typeface="Microsoft New Tai Lue"/>
+        <a:font script="Tfng" typeface="Ebrima"/>
+      </a:minorFont>
+    </a:fontScheme>
+    <a:fmtScheme name="Office">
+      <a:fillStyleLst>
+        <a:solidFill>
+          <a:schemeClr val="phClr"/>
+        </a:solidFill>
+        <a:gradFill rotWithShape="1">
+          <a:gsLst>
+            <a:gs pos="0">
+              <a:schemeClr val="phClr">
+                <a:lumMod val="110000"/>
+                <a:satMod val="105000"/>
+                <a:tint val="67000"/>
+              </a:schemeClr>
+            </a:gs>
+            <a:gs pos="50000">
+              <a:schemeClr val="phClr">
+                <a:lumMod val="105000"/>
+                <a:satMod val="103000"/>
+                <a:tint val="73000"/>
+              </a:schemeClr>
+            </a:gs>
+            <a:gs pos="100000">
+              <a:schemeClr val="phClr">
+                <a:lumMod val="105000"/>
+                <a:satMod val="109000"/>
+                <a:tint val="81000"/>
+              </a:schemeClr>
+            </a:gs>
+          </a:gsLst>
+          <a:lin ang="5400000" scaled="0"/>
+        </a:gradFill>
+        <a:gradFill rotWithShape="1">
+          <a:gsLst>
+            <a:gs pos="0">
+              <a:schemeClr val="phClr">
+                <a:satMod val="103000"/>
+                <a:lumMod val="102000"/>
+                <a:tint val="94000"/>
+              </a:schemeClr>
+            </a:gs>
+            <a:gs pos="50000">
+              <a:schemeClr val="phClr">
+                <a:satMod val="110000"/>
+                <a:lumMod val="100000"/>
+                <a:shade val="100000"/>
+              </a:schemeClr>
+            </a:gs>
+            <a:gs pos="100000">
+              <a:schemeClr val="phClr">
+                <a:lumMod val="99000"/>
+                <a:satMod val="120000"/>
+                <a:shade val="78000"/>
+              </a:schemeClr>
+            </a:gs>
+          </a:gsLst>
+          <a:lin ang="5400000" scaled="0"/>
+        </a:gradFill>
+      </a:fillStyleLst>
+      <a:lnStyleLst>
+        <a:ln w="6350" cap="flat" cmpd="sng" algn="ctr">
+          <a:solidFill>
+            <a:schemeClr val="phClr"/>
+          </a:solidFill>
+          <a:prstDash val="solid"/>
+          <a:miter lim="800000"/>
+        </a:ln>
+        <a:ln w="12700" cap="flat" cmpd="sng" algn="ctr">
+          <a:solidFill>
+            <a:schemeClr val="phClr"/>
+          </a:solidFill>
+          <a:prstDash val="solid"/>
+          <a:miter lim="800000"/>
+        </a:ln>
+        <a:ln w="19050" cap="flat" cmpd="sng" algn="ctr">
+          <a:solidFill>
+            <a:schemeClr val="phClr"/>
+          </a:solidFill>
+          <a:prstDash val="solid"/>
+          <a:miter lim="800000"/>
+        </a:ln>
+      </a:lnStyleLst>
+      <a:effectStyleLst>
+        <a:effectStyle>
+          <a:effectLst/>
+        </a:effectStyle>
+        <a:effectStyle>
+          <a:effectLst/>
+        </a:effectStyle>
+        <a:effectStyle>
+          <a:effectLst>
+            <a:outerShdw blurRad="57150" dist="19050" dir="5400000" algn="ctr" rotWithShape="0">
+              <a:srgbClr val="000000">
+                <a:alpha val="63000"/>
+              </a:srgbClr>
+            </a:outerShdw>
+          </a:effectLst>
+        </a:effectStyle>
+      </a:effectStyleLst>
+      <a:bgFillStyleLst>
+        <a:solidFill>
+          <a:schemeClr val="phClr"/>
+        </a:solidFill>
+        <a:solidFill>
+          <a:schemeClr val="phClr">
+            <a:tint val="95000"/>
+            <a:satMod val="170000"/>
+          </a:schemeClr>
+        </a:solidFill>
+        <a:gradFill rotWithShape="1">
+          <a:gsLst>
+            <a:gs pos="0">
+              <a:schemeClr val="phClr">
+                <a:tint val="93000"/>
+                <a:satMod val="150000"/>
+                <a:shade val="98000"/>
+                <a:lumMod val="102000"/>
+              </a:schemeClr>
+            </a:gs>
+            <a:gs pos="50000">
+              <a:schemeClr val="phClr">
+                <a:tint val="98000"/>
+                <a:satMod val="130000"/>
+                <a:shade val="90000"/>
+                <a:lumMod val="103000"/>
+              </a:schemeClr>
+            </a:gs>
+            <a:gs pos="100000">
+              <a:schemeClr val="phClr">
+                <a:shade val="63000"/>
+                <a:satMod val="120000"/>
+              </a:schemeClr>
+            </a:gs>
+          </a:gsLst>
+          <a:lin ang="5400000" scaled="0"/>
+        </a:gradFill>
+      </a:bgFillStyleLst>
+    </a:fmtScheme>
+  </a:themeElements>
+  <a:objectDefaults/>
+  <a:extraClrSchemeLst/>
+  <a:extLst>
+    <a:ext uri="{05A4C25C-085E-4340-85A3-A5531E510DB2}">
+      <thm15:themeFamily xmlns:thm15="http://schemas.microsoft.com/office/thememl/2012/main" name="Office Theme" id="{62F939B6-93AF-4DB8-9C6B-D6C7DFDC589F}" vid="{4A3C46E8-61CC-4603-A589-7422A47A8E4A}"/>
+    </a:ext>
+  </a:extLst>
+</a:theme>
 </file>